--- a/doc/MerrittCloudNodeIO.pptx
+++ b/doc/MerrittCloudNodeIO.pptx
@@ -10,23 +10,24 @@
     <p:sldId id="304" r:id="rId4"/>
     <p:sldId id="258" r:id="rId5"/>
     <p:sldId id="263" r:id="rId6"/>
-    <p:sldId id="259" r:id="rId7"/>
-    <p:sldId id="284" r:id="rId8"/>
-    <p:sldId id="285" r:id="rId9"/>
-    <p:sldId id="286" r:id="rId10"/>
-    <p:sldId id="289" r:id="rId11"/>
-    <p:sldId id="287" r:id="rId12"/>
-    <p:sldId id="262" r:id="rId13"/>
-    <p:sldId id="293" r:id="rId14"/>
-    <p:sldId id="288" r:id="rId15"/>
-    <p:sldId id="299" r:id="rId16"/>
-    <p:sldId id="295" r:id="rId17"/>
-    <p:sldId id="300" r:id="rId18"/>
-    <p:sldId id="303" r:id="rId19"/>
-    <p:sldId id="297" r:id="rId20"/>
-    <p:sldId id="298" r:id="rId21"/>
-    <p:sldId id="296" r:id="rId22"/>
-    <p:sldId id="291" r:id="rId23"/>
+    <p:sldId id="305" r:id="rId7"/>
+    <p:sldId id="259" r:id="rId8"/>
+    <p:sldId id="284" r:id="rId9"/>
+    <p:sldId id="285" r:id="rId10"/>
+    <p:sldId id="286" r:id="rId11"/>
+    <p:sldId id="289" r:id="rId12"/>
+    <p:sldId id="287" r:id="rId13"/>
+    <p:sldId id="262" r:id="rId14"/>
+    <p:sldId id="293" r:id="rId15"/>
+    <p:sldId id="288" r:id="rId16"/>
+    <p:sldId id="299" r:id="rId17"/>
+    <p:sldId id="295" r:id="rId18"/>
+    <p:sldId id="300" r:id="rId19"/>
+    <p:sldId id="303" r:id="rId20"/>
+    <p:sldId id="297" r:id="rId21"/>
+    <p:sldId id="298" r:id="rId22"/>
+    <p:sldId id="296" r:id="rId23"/>
+    <p:sldId id="291" r:id="rId24"/>
   </p:sldIdLst>
   <p:sldSz cx="9144000" cy="6858000" type="screen4x3"/>
   <p:notesSz cx="6858000" cy="9144000"/>
@@ -3220,7 +3221,7 @@
           <a:p>
             <a:r>
               <a:rPr lang="en-US" dirty="0" smtClean="0"/>
-              <a:t>Node properties example</a:t>
+              <a:t>Node Service Properties</a:t>
             </a:r>
             <a:endParaRPr lang="en-US" dirty="0"/>
           </a:p>
@@ -3236,93 +3237,50 @@
             <p:ph idx="1"/>
           </p:nvPr>
         </p:nvSpPr>
-        <p:spPr>
-          <a:xfrm>
-            <a:off x="762000" y="1600200"/>
-            <a:ext cx="8229600" cy="4525963"/>
-          </a:xfrm>
-        </p:spPr>
-        <p:txBody>
-          <a:bodyPr>
-            <a:normAutofit/>
-          </a:bodyPr>
-          <a:lstStyle/>
-          <a:p>
-            <a:pPr marL="0" indent="0">
-              <a:buNone/>
-            </a:pPr>
-            <a:r>
-              <a:rPr lang="en-US" dirty="0" smtClean="0"/>
-              <a:t>node.1=9001|sdsc|distrib.prod.9001.__</a:t>
-            </a:r>
-          </a:p>
-          <a:p>
-            <a:pPr marL="0" indent="0">
-              <a:buNone/>
-            </a:pPr>
-            <a:endParaRPr lang="en-US" dirty="0"/>
-          </a:p>
-          <a:p>
-            <a:pPr marL="0" indent="0">
-              <a:buNone/>
-            </a:pPr>
-            <a:r>
-              <a:rPr lang="en-US" dirty="0" smtClean="0"/>
-              <a:t>node.1 – first entry</a:t>
-            </a:r>
-          </a:p>
-          <a:p>
-            <a:pPr marL="0" indent="0">
-              <a:buNone/>
-            </a:pPr>
-            <a:r>
-              <a:rPr lang="en-US" dirty="0" smtClean="0"/>
-              <a:t>9001 – storage node</a:t>
-            </a:r>
-          </a:p>
-          <a:p>
-            <a:pPr marL="0" indent="0">
-              <a:buNone/>
-            </a:pPr>
+        <p:spPr/>
+        <p:txBody>
+          <a:bodyPr/>
+          <a:lstStyle/>
+          <a:p>
+            <a:pPr marL="0" indent="0">
+              <a:buNone/>
+            </a:pPr>
+            <a:r>
+              <a:rPr lang="en-US" dirty="0" smtClean="0"/>
+              <a:t>Describes a particular cloud service providing:</a:t>
+            </a:r>
+          </a:p>
+          <a:p>
             <a:r>
               <a:rPr lang="en-US" dirty="0" err="1"/>
               <a:t>s</a:t>
             </a:r>
             <a:r>
               <a:rPr lang="en-US" dirty="0" err="1" smtClean="0"/>
-              <a:t>dsc</a:t>
-            </a:r>
-            <a:r>
-              <a:rPr lang="en-US" dirty="0" smtClean="0"/>
-              <a:t> – cloud properties name: ./</a:t>
-            </a:r>
-            <a:r>
-              <a:rPr lang="en-US" dirty="0" err="1" smtClean="0"/>
-              <a:t>sdsc.properties</a:t>
-            </a:r>
-            <a:endParaRPr lang="en-US" dirty="0" smtClean="0"/>
-          </a:p>
-          <a:p>
-            <a:pPr marL="0" indent="0">
-              <a:buNone/>
-            </a:pPr>
-            <a:r>
-              <a:rPr lang="en-US" dirty="0" smtClean="0"/>
-              <a:t>distrib.prod.9001.__ - </a:t>
-            </a:r>
-            <a:r>
-              <a:rPr lang="en-US" dirty="0" err="1" smtClean="0"/>
-              <a:t>sdsc</a:t>
-            </a:r>
-            <a:r>
-              <a:rPr lang="en-US" dirty="0" smtClean="0"/>
-              <a:t> container</a:t>
-            </a:r>
-          </a:p>
-          <a:p>
-            <a:pPr marL="0" indent="0">
-              <a:buNone/>
-            </a:pPr>
+              <a:t>erviceType</a:t>
+            </a:r>
+            <a:r>
+              <a:rPr lang="en-US" dirty="0" smtClean="0"/>
+              <a:t> (required)</a:t>
+            </a:r>
+          </a:p>
+          <a:p>
+            <a:r>
+              <a:rPr lang="en-US" dirty="0" smtClean="0"/>
+              <a:t>Keys –e.g. public access</a:t>
+            </a:r>
+          </a:p>
+          <a:p>
+            <a:r>
+              <a:rPr lang="en-US" dirty="0" smtClean="0"/>
+              <a:t>Container type information</a:t>
+            </a:r>
+          </a:p>
+          <a:p>
+            <a:r>
+              <a:rPr lang="en-US" dirty="0" smtClean="0"/>
+              <a:t>Container host name </a:t>
+            </a:r>
             <a:endParaRPr lang="en-US" dirty="0"/>
           </a:p>
         </p:txBody>
@@ -3330,7 +3288,7 @@
     </p:spTree>
     <p:extLst>
       <p:ext uri="{BB962C8B-B14F-4D97-AF65-F5344CB8AC3E}">
-        <p14:creationId xmlns:p14="http://schemas.microsoft.com/office/powerpoint/2010/main" val="1866110655"/>
+        <p14:creationId xmlns:p14="http://schemas.microsoft.com/office/powerpoint/2010/main" val="2110662467"/>
       </p:ext>
     </p:extLst>
   </p:cSld>
@@ -3374,7 +3332,7 @@
           <a:p>
             <a:r>
               <a:rPr lang="en-US" dirty="0" smtClean="0"/>
-              <a:t>Node Properties Examples</a:t>
+              <a:t>Node properties example</a:t>
             </a:r>
             <a:endParaRPr lang="en-US" dirty="0"/>
           </a:p>
@@ -3392,13 +3350,13 @@
         </p:nvSpPr>
         <p:spPr>
           <a:xfrm>
-            <a:off x="1447800" y="1676400"/>
+            <a:off x="762000" y="1600200"/>
             <a:ext cx="8229600" cy="4525963"/>
           </a:xfrm>
         </p:spPr>
         <p:txBody>
           <a:bodyPr>
-            <a:normAutofit fontScale="40000" lnSpcReduction="20000"/>
+            <a:normAutofit/>
           </a:bodyPr>
           <a:lstStyle/>
           <a:p>
@@ -3406,323 +3364,85 @@
               <a:buNone/>
             </a:pPr>
             <a:r>
-              <a:rPr lang="en-US" dirty="0"/>
-              <a:t>* </a:t>
-            </a:r>
+              <a:rPr lang="en-US" dirty="0" smtClean="0"/>
+              <a:t>node.1=9001|sdsc|distrib.prod.9001.__</a:t>
+            </a:r>
+          </a:p>
+          <a:p>
+            <a:pPr marL="0" indent="0">
+              <a:buNone/>
+            </a:pPr>
+            <a:endParaRPr lang="en-US" dirty="0"/>
+          </a:p>
+          <a:p>
+            <a:pPr marL="0" indent="0">
+              <a:buNone/>
+            </a:pPr>
+            <a:r>
+              <a:rPr lang="en-US" dirty="0" smtClean="0"/>
+              <a:t>node.1 – first entry</a:t>
+            </a:r>
+          </a:p>
+          <a:p>
+            <a:pPr marL="0" indent="0">
+              <a:buNone/>
+            </a:pPr>
+            <a:r>
+              <a:rPr lang="en-US" dirty="0" smtClean="0"/>
+              <a:t>9001 – storage node</a:t>
+            </a:r>
+          </a:p>
+          <a:p>
+            <a:pPr marL="0" indent="0">
+              <a:buNone/>
+            </a:pPr>
             <a:r>
               <a:rPr lang="en-US" dirty="0" err="1"/>
-              <a:t>ch</a:t>
-            </a:r>
-            <a:r>
-              <a:rPr lang="en-US" dirty="0"/>
-              <a:t>-riverside-</a:t>
-            </a:r>
-            <a:r>
-              <a:rPr lang="en-US" dirty="0" err="1"/>
-              <a:t>prd</a:t>
-            </a:r>
-            <a:endParaRPr lang="en-US" dirty="0"/>
-          </a:p>
-          <a:p>
-            <a:pPr marL="0" indent="0">
-              <a:buNone/>
-            </a:pPr>
-            <a:r>
-              <a:rPr lang="en-US" dirty="0" err="1"/>
-              <a:t>serviceType</a:t>
-            </a:r>
-            <a:r>
-              <a:rPr lang="en-US" dirty="0"/>
-              <a:t>=</a:t>
-            </a:r>
-            <a:r>
-              <a:rPr lang="en-US" dirty="0" err="1"/>
-              <a:t>cloudhost</a:t>
-            </a:r>
-            <a:endParaRPr lang="en-US" dirty="0"/>
-          </a:p>
-          <a:p>
-            <a:pPr marL="0" indent="0">
-              <a:buNone/>
-            </a:pPr>
-            <a:r>
-              <a:rPr lang="en-US" dirty="0"/>
-              <a:t>base=https://uc3-mrtdat1-dev.cdlib.org:30443/cloudhost</a:t>
-            </a:r>
-          </a:p>
-          <a:p>
-            <a:pPr marL="0" indent="0">
-              <a:buNone/>
-            </a:pPr>
-            <a:endParaRPr lang="en-US" dirty="0"/>
-          </a:p>
-          <a:p>
-            <a:pPr marL="0" indent="0">
-              <a:buNone/>
-            </a:pPr>
-            <a:r>
-              <a:rPr lang="en-US" dirty="0"/>
-              <a:t>./</a:t>
-            </a:r>
-            <a:r>
-              <a:rPr lang="en-US" dirty="0" err="1"/>
+              <a:t>s</a:t>
+            </a:r>
+            <a:r>
+              <a:rPr lang="en-US" dirty="0" err="1" smtClean="0"/>
+              <a:t>dsc</a:t>
+            </a:r>
+            <a:r>
+              <a:rPr lang="en-US" dirty="0" smtClean="0"/>
+              <a:t> – cloud properties name: ./</a:t>
+            </a:r>
+            <a:r>
+              <a:rPr lang="en-US" dirty="0" err="1" smtClean="0"/>
               <a:t>sdsc.properties</a:t>
             </a:r>
-            <a:endParaRPr lang="en-US" dirty="0"/>
-          </a:p>
-          <a:p>
-            <a:pPr marL="0" indent="0">
-              <a:buNone/>
-            </a:pPr>
-            <a:r>
-              <a:rPr lang="en-US" dirty="0" err="1"/>
-              <a:t>serviceType</a:t>
-            </a:r>
-            <a:r>
-              <a:rPr lang="en-US" dirty="0"/>
-              <a:t>=swift</a:t>
-            </a:r>
-          </a:p>
-          <a:p>
-            <a:pPr marL="0" indent="0">
-              <a:buNone/>
-            </a:pPr>
-            <a:r>
-              <a:rPr lang="en-US" dirty="0" err="1"/>
-              <a:t>access_key</a:t>
-            </a:r>
-            <a:r>
-              <a:rPr lang="en-US" dirty="0"/>
-              <a:t>=</a:t>
-            </a:r>
-            <a:r>
-              <a:rPr lang="en-US" dirty="0" err="1"/>
-              <a:t>our_service:our_group</a:t>
-            </a:r>
-            <a:endParaRPr lang="en-US" dirty="0"/>
-          </a:p>
-          <a:p>
-            <a:pPr marL="0" indent="0">
-              <a:buNone/>
-            </a:pPr>
-            <a:r>
-              <a:rPr lang="en-US" dirty="0" err="1"/>
-              <a:t>secret_key</a:t>
-            </a:r>
-            <a:r>
-              <a:rPr lang="en-US" dirty="0"/>
-              <a:t>=</a:t>
-            </a:r>
-            <a:r>
-              <a:rPr lang="en-US" dirty="0" err="1"/>
-              <a:t>pwd</a:t>
-            </a:r>
-            <a:endParaRPr lang="en-US" dirty="0"/>
-          </a:p>
-          <a:p>
-            <a:pPr marL="0" indent="0">
-              <a:buNone/>
-            </a:pPr>
-            <a:r>
-              <a:rPr lang="en-US" dirty="0"/>
-              <a:t>host=cloud.sdsc.edu</a:t>
-            </a:r>
-          </a:p>
-          <a:p>
-            <a:pPr marL="0" indent="0">
-              <a:buNone/>
-            </a:pPr>
-            <a:endParaRPr lang="en-US" dirty="0"/>
-          </a:p>
-          <a:p>
-            <a:pPr marL="0" indent="0">
-              <a:buNone/>
-            </a:pPr>
-            <a:r>
-              <a:rPr lang="en-US" dirty="0"/>
-              <a:t>./</a:t>
-            </a:r>
-            <a:r>
-              <a:rPr lang="en-US" dirty="0" err="1"/>
-              <a:t>ucla</a:t>
-            </a:r>
-            <a:r>
-              <a:rPr lang="en-US" dirty="0"/>
-              <a:t>-prod</a:t>
-            </a:r>
-          </a:p>
-          <a:p>
-            <a:pPr marL="0" indent="0">
-              <a:buNone/>
-            </a:pPr>
-            <a:r>
-              <a:rPr lang="en-US" dirty="0" err="1"/>
-              <a:t>serviceType</a:t>
-            </a:r>
-            <a:r>
-              <a:rPr lang="en-US" dirty="0"/>
-              <a:t>=</a:t>
-            </a:r>
-            <a:r>
-              <a:rPr lang="en-US" dirty="0" err="1"/>
-              <a:t>pairtree</a:t>
-            </a:r>
-            <a:endParaRPr lang="en-US" dirty="0"/>
-          </a:p>
-          <a:p>
-            <a:pPr marL="0" indent="0">
-              <a:buNone/>
-            </a:pPr>
-            <a:r>
-              <a:rPr lang="en-US" dirty="0"/>
-              <a:t>base=/</a:t>
-            </a:r>
-            <a:r>
-              <a:rPr lang="en-US" dirty="0" err="1"/>
-              <a:t>mrt</a:t>
-            </a:r>
-            <a:r>
-              <a:rPr lang="en-US" dirty="0"/>
-              <a:t>-</a:t>
-            </a:r>
-            <a:r>
-              <a:rPr lang="en-US" dirty="0" err="1"/>
-              <a:t>ucla</a:t>
-            </a:r>
-            <a:r>
-              <a:rPr lang="en-US" dirty="0"/>
-              <a:t>-prod/dpr2/repository/node8001/store/</a:t>
-            </a:r>
-            <a:r>
-              <a:rPr lang="en-US" dirty="0" err="1"/>
-              <a:t>fileCloud</a:t>
-            </a:r>
-            <a:endParaRPr lang="en-US" dirty="0"/>
-          </a:p>
-          <a:p>
-            <a:pPr marL="0" indent="0">
-              <a:buNone/>
-            </a:pPr>
-            <a:endParaRPr lang="en-US" dirty="0"/>
-          </a:p>
-          <a:p>
-            <a:pPr marL="0" indent="0">
-              <a:buNone/>
-            </a:pPr>
-            <a:r>
-              <a:rPr lang="en-US" dirty="0"/>
-              <a:t>./</a:t>
-            </a:r>
-            <a:r>
-              <a:rPr lang="en-US" dirty="0" err="1"/>
-              <a:t>aws-std</a:t>
-            </a:r>
-            <a:endParaRPr lang="en-US" dirty="0"/>
-          </a:p>
-          <a:p>
-            <a:pPr marL="0" indent="0">
-              <a:buNone/>
-            </a:pPr>
-            <a:r>
-              <a:rPr lang="en-US" dirty="0" err="1"/>
-              <a:t>serviceType</a:t>
-            </a:r>
-            <a:r>
-              <a:rPr lang="en-US" dirty="0"/>
-              <a:t>=</a:t>
-            </a:r>
-            <a:r>
-              <a:rPr lang="en-US" dirty="0" err="1"/>
-              <a:t>aws</a:t>
-            </a:r>
-            <a:endParaRPr lang="en-US" dirty="0"/>
-          </a:p>
-          <a:p>
-            <a:pPr marL="0" indent="0">
-              <a:buNone/>
-            </a:pPr>
-            <a:r>
-              <a:rPr lang="en-US" dirty="0" err="1"/>
-              <a:t>accessMode</a:t>
-            </a:r>
-            <a:r>
-              <a:rPr lang="en-US" dirty="0"/>
-              <a:t>=on-line</a:t>
-            </a:r>
-          </a:p>
-          <a:p>
-            <a:pPr marL="0" indent="0">
-              <a:buNone/>
-            </a:pPr>
-            <a:r>
-              <a:rPr lang="en-US" dirty="0" err="1"/>
-              <a:t>storageClass</a:t>
-            </a:r>
-            <a:r>
-              <a:rPr lang="en-US" dirty="0"/>
-              <a:t>=Standard</a:t>
-            </a:r>
-          </a:p>
-          <a:p>
-            <a:pPr marL="0" indent="0">
-              <a:buNone/>
-            </a:pPr>
-            <a:endParaRPr lang="en-US" dirty="0"/>
-          </a:p>
-          <a:p>
-            <a:pPr marL="0" indent="0">
-              <a:buNone/>
-            </a:pPr>
-            <a:r>
-              <a:rPr lang="en-US" dirty="0"/>
-              <a:t>./</a:t>
-            </a:r>
-            <a:r>
-              <a:rPr lang="en-US" dirty="0" err="1"/>
-              <a:t>aws</a:t>
-            </a:r>
-            <a:r>
-              <a:rPr lang="en-US" dirty="0"/>
-              <a:t>-near</a:t>
-            </a:r>
-          </a:p>
-          <a:p>
-            <a:pPr marL="0" indent="0">
-              <a:buNone/>
-            </a:pPr>
-            <a:r>
-              <a:rPr lang="en-US" dirty="0" err="1"/>
-              <a:t>serviceType</a:t>
-            </a:r>
-            <a:r>
-              <a:rPr lang="en-US" dirty="0"/>
-              <a:t>=</a:t>
-            </a:r>
-            <a:r>
-              <a:rPr lang="en-US" dirty="0" err="1"/>
-              <a:t>aws</a:t>
-            </a:r>
-            <a:endParaRPr lang="en-US" dirty="0"/>
-          </a:p>
-          <a:p>
-            <a:pPr marL="0" indent="0">
-              <a:buNone/>
-            </a:pPr>
-            <a:r>
-              <a:rPr lang="en-US" dirty="0" err="1"/>
-              <a:t>accessMode</a:t>
-            </a:r>
-            <a:r>
-              <a:rPr lang="en-US" dirty="0"/>
-              <a:t>=near-line</a:t>
-            </a:r>
+            <a:endParaRPr lang="en-US" dirty="0" smtClean="0"/>
+          </a:p>
+          <a:p>
+            <a:pPr marL="0" indent="0">
+              <a:buNone/>
+            </a:pPr>
+            <a:r>
+              <a:rPr lang="en-US" dirty="0" smtClean="0"/>
+              <a:t>distrib.prod.9001.__ - </a:t>
+            </a:r>
+            <a:r>
+              <a:rPr lang="en-US" dirty="0" err="1" smtClean="0"/>
+              <a:t>sdsc</a:t>
+            </a:r>
+            <a:r>
+              <a:rPr lang="en-US" dirty="0" smtClean="0"/>
+              <a:t> container</a:t>
+            </a:r>
+          </a:p>
+          <a:p>
+            <a:pPr marL="0" indent="0">
+              <a:buNone/>
+            </a:pPr>
+            <a:endParaRPr lang="en-US" dirty="0"/>
           </a:p>
         </p:txBody>
       </p:sp>
     </p:spTree>
     <p:extLst>
       <p:ext uri="{BB962C8B-B14F-4D97-AF65-F5344CB8AC3E}">
-        <p14:creationId xmlns:p14="http://schemas.microsoft.com/office/powerpoint/2010/main" val="3831709791"/>
+        <p14:creationId xmlns:p14="http://schemas.microsoft.com/office/powerpoint/2010/main" val="1866110655"/>
       </p:ext>
     </p:extLst>
   </p:cSld>
@@ -3766,11 +3486,7 @@
           <a:p>
             <a:r>
               <a:rPr lang="en-US" dirty="0" smtClean="0"/>
-              <a:t>Supported </a:t>
-            </a:r>
-            <a:r>
-              <a:rPr lang="en-US" dirty="0" err="1" smtClean="0"/>
-              <a:t>serviceTypes</a:t>
+              <a:t>Node Properties Examples</a:t>
             </a:r>
             <a:endParaRPr lang="en-US" dirty="0"/>
           </a:p>
@@ -3786,95 +3502,339 @@
             <p:ph idx="1"/>
           </p:nvPr>
         </p:nvSpPr>
-        <p:spPr/>
+        <p:spPr>
+          <a:xfrm>
+            <a:off x="1447800" y="1676400"/>
+            <a:ext cx="8229600" cy="4525963"/>
+          </a:xfrm>
+        </p:spPr>
         <p:txBody>
           <a:bodyPr>
-            <a:normAutofit/>
+            <a:normAutofit fontScale="40000" lnSpcReduction="20000"/>
           </a:bodyPr>
           <a:lstStyle/>
           <a:p>
-            <a:r>
-              <a:rPr lang="en-US" dirty="0" smtClean="0"/>
-              <a:t>=swift – </a:t>
-            </a:r>
-            <a:r>
-              <a:rPr lang="en-US" dirty="0" err="1" smtClean="0"/>
-              <a:t>openstack</a:t>
-            </a:r>
-            <a:r>
-              <a:rPr lang="en-US" dirty="0" smtClean="0"/>
-              <a:t> </a:t>
-            </a:r>
-            <a:r>
-              <a:rPr lang="en-US" dirty="0" smtClean="0"/>
-              <a:t>SDSC</a:t>
-            </a:r>
-            <a:endParaRPr lang="en-US" dirty="0" smtClean="0"/>
-          </a:p>
-          <a:p>
-            <a:r>
-              <a:rPr lang="en-US" dirty="0" smtClean="0"/>
+            <a:pPr marL="0" indent="0">
+              <a:buNone/>
+            </a:pPr>
+            <a:r>
+              <a:rPr lang="en-US" dirty="0"/>
+              <a:t>* </a:t>
+            </a:r>
+            <a:r>
+              <a:rPr lang="en-US" dirty="0" err="1"/>
+              <a:t>ch</a:t>
+            </a:r>
+            <a:r>
+              <a:rPr lang="en-US" dirty="0"/>
+              <a:t>-riverside-</a:t>
+            </a:r>
+            <a:r>
+              <a:rPr lang="en-US" dirty="0" err="1"/>
+              <a:t>prd</a:t>
+            </a:r>
+            <a:endParaRPr lang="en-US" dirty="0"/>
+          </a:p>
+          <a:p>
+            <a:pPr marL="0" indent="0">
+              <a:buNone/>
+            </a:pPr>
+            <a:r>
+              <a:rPr lang="en-US" dirty="0" err="1"/>
+              <a:t>serviceType</a:t>
+            </a:r>
+            <a:r>
+              <a:rPr lang="en-US" dirty="0"/>
               <a:t>=</a:t>
             </a:r>
             <a:r>
-              <a:rPr lang="en-US" dirty="0" err="1" smtClean="0"/>
+              <a:rPr lang="en-US" dirty="0" err="1"/>
+              <a:t>cloudhost</a:t>
+            </a:r>
+            <a:endParaRPr lang="en-US" dirty="0"/>
+          </a:p>
+          <a:p>
+            <a:pPr marL="0" indent="0">
+              <a:buNone/>
+            </a:pPr>
+            <a:r>
+              <a:rPr lang="en-US" dirty="0"/>
+              <a:t>base=https://uc3-mrtdat1-dev.cdlib.org:30443/cloudhost</a:t>
+            </a:r>
+          </a:p>
+          <a:p>
+            <a:pPr marL="0" indent="0">
+              <a:buNone/>
+            </a:pPr>
+            <a:endParaRPr lang="en-US" dirty="0"/>
+          </a:p>
+          <a:p>
+            <a:pPr marL="0" indent="0">
+              <a:buNone/>
+            </a:pPr>
+            <a:r>
+              <a:rPr lang="en-US" dirty="0"/>
+              <a:t>./</a:t>
+            </a:r>
+            <a:r>
+              <a:rPr lang="en-US" dirty="0" err="1"/>
+              <a:t>sdsc.properties</a:t>
+            </a:r>
+            <a:endParaRPr lang="en-US" dirty="0"/>
+          </a:p>
+          <a:p>
+            <a:pPr marL="0" indent="0">
+              <a:buNone/>
+            </a:pPr>
+            <a:r>
+              <a:rPr lang="en-US" dirty="0" err="1"/>
+              <a:t>serviceType</a:t>
+            </a:r>
+            <a:r>
+              <a:rPr lang="en-US" dirty="0"/>
+              <a:t>=swift</a:t>
+            </a:r>
+          </a:p>
+          <a:p>
+            <a:pPr marL="0" indent="0">
+              <a:buNone/>
+            </a:pPr>
+            <a:r>
+              <a:rPr lang="en-US" dirty="0" err="1"/>
+              <a:t>access_key</a:t>
+            </a:r>
+            <a:r>
+              <a:rPr lang="en-US" dirty="0"/>
+              <a:t>=</a:t>
+            </a:r>
+            <a:r>
+              <a:rPr lang="en-US" dirty="0" err="1"/>
+              <a:t>our_service:our_group</a:t>
+            </a:r>
+            <a:endParaRPr lang="en-US" dirty="0"/>
+          </a:p>
+          <a:p>
+            <a:pPr marL="0" indent="0">
+              <a:buNone/>
+            </a:pPr>
+            <a:r>
+              <a:rPr lang="en-US" dirty="0" err="1"/>
+              <a:t>secret_key</a:t>
+            </a:r>
+            <a:r>
+              <a:rPr lang="en-US" dirty="0"/>
+              <a:t>=</a:t>
+            </a:r>
+            <a:r>
+              <a:rPr lang="en-US" dirty="0" err="1"/>
+              <a:t>pwd</a:t>
+            </a:r>
+            <a:endParaRPr lang="en-US" dirty="0"/>
+          </a:p>
+          <a:p>
+            <a:pPr marL="0" indent="0">
+              <a:buNone/>
+            </a:pPr>
+            <a:r>
+              <a:rPr lang="en-US" dirty="0"/>
+              <a:t>host=cloud.sdsc.edu</a:t>
+            </a:r>
+          </a:p>
+          <a:p>
+            <a:pPr marL="0" indent="0">
+              <a:buNone/>
+            </a:pPr>
+            <a:endParaRPr lang="en-US" dirty="0"/>
+          </a:p>
+          <a:p>
+            <a:pPr marL="0" indent="0">
+              <a:buNone/>
+            </a:pPr>
+            <a:r>
+              <a:rPr lang="en-US" dirty="0"/>
+              <a:t>./</a:t>
+            </a:r>
+            <a:r>
+              <a:rPr lang="en-US" dirty="0" err="1"/>
+              <a:t>ucla</a:t>
+            </a:r>
+            <a:r>
+              <a:rPr lang="en-US" dirty="0"/>
+              <a:t>-prod</a:t>
+            </a:r>
+          </a:p>
+          <a:p>
+            <a:pPr marL="0" indent="0">
+              <a:buNone/>
+            </a:pPr>
+            <a:r>
+              <a:rPr lang="en-US" dirty="0" err="1"/>
+              <a:t>serviceType</a:t>
+            </a:r>
+            <a:r>
+              <a:rPr lang="en-US" dirty="0"/>
+              <a:t>=</a:t>
+            </a:r>
+            <a:r>
+              <a:rPr lang="en-US" dirty="0" err="1"/>
+              <a:t>pairtree</a:t>
+            </a:r>
+            <a:endParaRPr lang="en-US" dirty="0"/>
+          </a:p>
+          <a:p>
+            <a:pPr marL="0" indent="0">
+              <a:buNone/>
+            </a:pPr>
+            <a:r>
+              <a:rPr lang="en-US" dirty="0"/>
+              <a:t>base=/</a:t>
+            </a:r>
+            <a:r>
+              <a:rPr lang="en-US" dirty="0" err="1"/>
+              <a:t>mrt</a:t>
+            </a:r>
+            <a:r>
+              <a:rPr lang="en-US" dirty="0"/>
+              <a:t>-</a:t>
+            </a:r>
+            <a:r>
+              <a:rPr lang="en-US" dirty="0" err="1"/>
+              <a:t>ucla</a:t>
+            </a:r>
+            <a:r>
+              <a:rPr lang="en-US" dirty="0"/>
+              <a:t>-prod/dpr2/repository/node8001/store/</a:t>
+            </a:r>
+            <a:r>
+              <a:rPr lang="en-US" dirty="0" err="1"/>
+              <a:t>fileCloud</a:t>
+            </a:r>
+            <a:endParaRPr lang="en-US" dirty="0"/>
+          </a:p>
+          <a:p>
+            <a:pPr marL="0" indent="0">
+              <a:buNone/>
+            </a:pPr>
+            <a:endParaRPr lang="en-US" dirty="0"/>
+          </a:p>
+          <a:p>
+            <a:pPr marL="0" indent="0">
+              <a:buNone/>
+            </a:pPr>
+            <a:r>
+              <a:rPr lang="en-US" dirty="0"/>
+              <a:t>./</a:t>
+            </a:r>
+            <a:r>
+              <a:rPr lang="en-US" dirty="0" err="1"/>
+              <a:t>aws-std</a:t>
+            </a:r>
+            <a:endParaRPr lang="en-US" dirty="0"/>
+          </a:p>
+          <a:p>
+            <a:pPr marL="0" indent="0">
+              <a:buNone/>
+            </a:pPr>
+            <a:r>
+              <a:rPr lang="en-US" dirty="0" err="1"/>
+              <a:t>serviceType</a:t>
+            </a:r>
+            <a:r>
+              <a:rPr lang="en-US" dirty="0"/>
+              <a:t>=</a:t>
+            </a:r>
+            <a:r>
+              <a:rPr lang="en-US" dirty="0" err="1"/>
               <a:t>aws</a:t>
             </a:r>
-            <a:r>
-              <a:rPr lang="en-US" dirty="0" smtClean="0"/>
-              <a:t> – Amazon AWS</a:t>
-            </a:r>
-          </a:p>
-          <a:p>
-            <a:r>
-              <a:rPr lang="en-US" dirty="0" smtClean="0"/>
+            <a:endParaRPr lang="en-US" dirty="0"/>
+          </a:p>
+          <a:p>
+            <a:pPr marL="0" indent="0">
+              <a:buNone/>
+            </a:pPr>
+            <a:r>
+              <a:rPr lang="en-US" dirty="0" err="1"/>
+              <a:t>accessMode</a:t>
+            </a:r>
+            <a:r>
+              <a:rPr lang="en-US" dirty="0"/>
+              <a:t>=on-line</a:t>
+            </a:r>
+          </a:p>
+          <a:p>
+            <a:pPr marL="0" indent="0">
+              <a:buNone/>
+            </a:pPr>
+            <a:r>
+              <a:rPr lang="en-US" dirty="0" err="1"/>
+              <a:t>storageClass</a:t>
+            </a:r>
+            <a:r>
+              <a:rPr lang="en-US" dirty="0"/>
+              <a:t>=Standard</a:t>
+            </a:r>
+          </a:p>
+          <a:p>
+            <a:pPr marL="0" indent="0">
+              <a:buNone/>
+            </a:pPr>
+            <a:endParaRPr lang="en-US" dirty="0"/>
+          </a:p>
+          <a:p>
+            <a:pPr marL="0" indent="0">
+              <a:buNone/>
+            </a:pPr>
+            <a:r>
+              <a:rPr lang="en-US" dirty="0"/>
+              <a:t>./</a:t>
+            </a:r>
+            <a:r>
+              <a:rPr lang="en-US" dirty="0" err="1"/>
+              <a:t>aws</a:t>
+            </a:r>
+            <a:r>
+              <a:rPr lang="en-US" dirty="0"/>
+              <a:t>-near</a:t>
+            </a:r>
+          </a:p>
+          <a:p>
+            <a:pPr marL="0" indent="0">
+              <a:buNone/>
+            </a:pPr>
+            <a:r>
+              <a:rPr lang="en-US" dirty="0" err="1"/>
+              <a:t>serviceType</a:t>
+            </a:r>
+            <a:r>
+              <a:rPr lang="en-US" dirty="0"/>
               <a:t>=</a:t>
             </a:r>
             <a:r>
-              <a:rPr lang="en-US" dirty="0" err="1" smtClean="0"/>
-              <a:t>p</a:t>
-            </a:r>
-            <a:r>
-              <a:rPr lang="en-US" dirty="0" err="1" smtClean="0"/>
-              <a:t>airtree</a:t>
-            </a:r>
-            <a:r>
-              <a:rPr lang="en-US" dirty="0" smtClean="0"/>
-              <a:t> – Merritt directory emulation cloud</a:t>
-            </a:r>
-          </a:p>
-          <a:p>
-            <a:r>
-              <a:rPr lang="en-US" dirty="0" smtClean="0"/>
-              <a:t>=</a:t>
-            </a:r>
-            <a:r>
-              <a:rPr lang="en-US" dirty="0" err="1" smtClean="0"/>
-              <a:t>cloudhost</a:t>
-            </a:r>
-            <a:r>
-              <a:rPr lang="en-US" dirty="0" smtClean="0"/>
-              <a:t> – Merritt http service using </a:t>
-            </a:r>
-            <a:r>
-              <a:rPr lang="en-US" dirty="0" err="1" smtClean="0"/>
-              <a:t>pairtree</a:t>
-            </a:r>
-            <a:r>
-              <a:rPr lang="en-US" dirty="0" smtClean="0"/>
-              <a:t> for storage</a:t>
-            </a:r>
-            <a:endParaRPr lang="en-US" dirty="0" smtClean="0"/>
-          </a:p>
-          <a:p>
-            <a:endParaRPr lang="en-US" dirty="0" smtClean="0"/>
+              <a:rPr lang="en-US" dirty="0" err="1"/>
+              <a:t>aws</a:t>
+            </a:r>
+            <a:endParaRPr lang="en-US" dirty="0"/>
+          </a:p>
+          <a:p>
+            <a:pPr marL="0" indent="0">
+              <a:buNone/>
+            </a:pPr>
+            <a:r>
+              <a:rPr lang="en-US" dirty="0" err="1"/>
+              <a:t>accessMode</a:t>
+            </a:r>
+            <a:r>
+              <a:rPr lang="en-US" dirty="0"/>
+              <a:t>=near-line</a:t>
+            </a:r>
           </a:p>
         </p:txBody>
       </p:sp>
     </p:spTree>
     <p:extLst>
       <p:ext uri="{BB962C8B-B14F-4D97-AF65-F5344CB8AC3E}">
-        <p14:creationId xmlns:p14="http://schemas.microsoft.com/office/powerpoint/2010/main" val="477288582"/>
+        <p14:creationId xmlns:p14="http://schemas.microsoft.com/office/powerpoint/2010/main" val="3831709791"/>
       </p:ext>
     </p:extLst>
   </p:cSld>
@@ -3913,33 +3873,16 @@
         </p:nvSpPr>
         <p:spPr/>
         <p:txBody>
-          <a:bodyPr>
-            <a:normAutofit fontScale="90000"/>
-          </a:bodyPr>
-          <a:lstStyle/>
-          <a:p>
+          <a:bodyPr/>
+          <a:lstStyle/>
+          <a:p>
+            <a:r>
+              <a:rPr lang="en-US" dirty="0" smtClean="0"/>
+              <a:t>Supported </a:t>
+            </a:r>
             <a:r>
               <a:rPr lang="en-US" dirty="0" err="1" smtClean="0"/>
-              <a:t>serviceType</a:t>
-            </a:r>
-            <a:r>
-              <a:rPr lang="en-US" dirty="0" smtClean="0"/>
-              <a:t>=swift</a:t>
-            </a:r>
-            <a:r>
-              <a:rPr lang="en-US" dirty="0"/>
-              <a:t/>
-            </a:r>
-            <a:br>
-              <a:rPr lang="en-US" dirty="0"/>
-            </a:br>
-            <a:r>
-              <a:rPr lang="en-US" dirty="0"/>
-              <a:t>Node list </a:t>
-            </a:r>
-            <a:r>
-              <a:rPr lang="en-US" dirty="0" smtClean="0"/>
-              <a:t>entry</a:t>
+              <a:t>serviceTypes</a:t>
             </a:r>
             <a:endParaRPr lang="en-US" dirty="0"/>
           </a:p>
@@ -3955,101 +3898,95 @@
             <p:ph idx="1"/>
           </p:nvPr>
         </p:nvSpPr>
-        <p:spPr>
-          <a:xfrm>
-            <a:off x="762000" y="1600200"/>
-            <a:ext cx="8229600" cy="4525963"/>
-          </a:xfrm>
-        </p:spPr>
+        <p:spPr/>
         <p:txBody>
           <a:bodyPr>
             <a:normAutofit/>
           </a:bodyPr>
           <a:lstStyle/>
           <a:p>
-            <a:pPr marL="0" indent="0">
-              <a:buNone/>
-            </a:pPr>
-            <a:r>
-              <a:rPr lang="en-US" dirty="0" smtClean="0"/>
-              <a:t>node.1=9001|sdsc|distrib.prod.9001.__</a:t>
-            </a:r>
-          </a:p>
-          <a:p>
-            <a:pPr marL="0" indent="0">
-              <a:buNone/>
-            </a:pPr>
-            <a:endParaRPr lang="en-US" dirty="0"/>
-          </a:p>
-          <a:p>
-            <a:pPr marL="0" indent="0">
-              <a:buNone/>
-            </a:pPr>
-            <a:r>
-              <a:rPr lang="en-US" dirty="0" smtClean="0"/>
-              <a:t>node.1 – first entry</a:t>
-            </a:r>
-          </a:p>
-          <a:p>
-            <a:pPr marL="0" indent="0">
-              <a:buNone/>
-            </a:pPr>
-            <a:r>
-              <a:rPr lang="en-US" dirty="0" smtClean="0"/>
-              <a:t>9001 – storage node</a:t>
-            </a:r>
-          </a:p>
-          <a:p>
-            <a:pPr marL="0" indent="0">
-              <a:buNone/>
-            </a:pPr>
-            <a:r>
-              <a:rPr lang="en-US" dirty="0" err="1"/>
-              <a:t>s</a:t>
+            <a:r>
+              <a:rPr lang="en-US" dirty="0" smtClean="0"/>
+              <a:t>=swift – </a:t>
             </a:r>
             <a:r>
               <a:rPr lang="en-US" dirty="0" err="1" smtClean="0"/>
-              <a:t>dsc</a:t>
-            </a:r>
-            <a:r>
-              <a:rPr lang="en-US" dirty="0" smtClean="0"/>
-              <a:t> – cloud properties name: ./</a:t>
+              <a:t>openstack</a:t>
+            </a:r>
+            <a:r>
+              <a:rPr lang="en-US" dirty="0" smtClean="0"/>
+              <a:t> </a:t>
+            </a:r>
+            <a:r>
+              <a:rPr lang="en-US" dirty="0" smtClean="0"/>
+              <a:t>SDSC</a:t>
+            </a:r>
+            <a:endParaRPr lang="en-US" dirty="0" smtClean="0"/>
+          </a:p>
+          <a:p>
+            <a:r>
+              <a:rPr lang="en-US" dirty="0" smtClean="0"/>
+              <a:t>=</a:t>
             </a:r>
             <a:r>
               <a:rPr lang="en-US" dirty="0" err="1" smtClean="0"/>
-              <a:t>sdsc.properties</a:t>
+              <a:t>aws</a:t>
+            </a:r>
+            <a:r>
+              <a:rPr lang="en-US" dirty="0" smtClean="0"/>
+              <a:t> – Amazon AWS</a:t>
+            </a:r>
+          </a:p>
+          <a:p>
+            <a:r>
+              <a:rPr lang="en-US" dirty="0" smtClean="0"/>
+              <a:t>=</a:t>
+            </a:r>
+            <a:r>
+              <a:rPr lang="en-US" dirty="0" err="1" smtClean="0"/>
+              <a:t>p</a:t>
+            </a:r>
+            <a:r>
+              <a:rPr lang="en-US" dirty="0" err="1" smtClean="0"/>
+              <a:t>airtree</a:t>
+            </a:r>
+            <a:r>
+              <a:rPr lang="en-US" dirty="0" smtClean="0"/>
+              <a:t> – Merritt directory emulation cloud</a:t>
+            </a:r>
+          </a:p>
+          <a:p>
+            <a:r>
+              <a:rPr lang="en-US" dirty="0" smtClean="0"/>
+              <a:t>=</a:t>
+            </a:r>
+            <a:r>
+              <a:rPr lang="en-US" dirty="0" err="1" smtClean="0"/>
+              <a:t>cloudhost</a:t>
+            </a:r>
+            <a:r>
+              <a:rPr lang="en-US" dirty="0" smtClean="0"/>
+              <a:t> – Merritt http service using </a:t>
+            </a:r>
+            <a:r>
+              <a:rPr lang="en-US" dirty="0" err="1" smtClean="0"/>
+              <a:t>pairtree</a:t>
+            </a:r>
+            <a:r>
+              <a:rPr lang="en-US" dirty="0" smtClean="0"/>
+              <a:t> for storage</a:t>
             </a:r>
             <a:endParaRPr lang="en-US" dirty="0" smtClean="0"/>
           </a:p>
           <a:p>
-            <a:pPr marL="0" indent="0">
-              <a:buNone/>
-            </a:pPr>
-            <a:r>
-              <a:rPr lang="en-US" dirty="0" smtClean="0"/>
-              <a:t>distrib.prod.9001.__ - </a:t>
-            </a:r>
-            <a:r>
-              <a:rPr lang="en-US" dirty="0" err="1" smtClean="0"/>
-              <a:t>sdsc</a:t>
-            </a:r>
-            <a:r>
-              <a:rPr lang="en-US" dirty="0" smtClean="0"/>
-              <a:t> container</a:t>
-            </a:r>
-          </a:p>
-          <a:p>
-            <a:pPr marL="0" indent="0">
-              <a:buNone/>
-            </a:pPr>
-            <a:endParaRPr lang="en-US" dirty="0"/>
+            <a:endParaRPr lang="en-US" dirty="0" smtClean="0"/>
           </a:p>
         </p:txBody>
       </p:sp>
     </p:spTree>
     <p:extLst>
       <p:ext uri="{BB962C8B-B14F-4D97-AF65-F5344CB8AC3E}">
-        <p14:creationId xmlns:p14="http://schemas.microsoft.com/office/powerpoint/2010/main" val="1039284703"/>
+        <p14:creationId xmlns:p14="http://schemas.microsoft.com/office/powerpoint/2010/main" val="477288582"/>
       </p:ext>
     </p:extLst>
   </p:cSld>
@@ -4101,17 +4038,22 @@
               <a:rPr lang="en-US" dirty="0" smtClean="0"/>
               <a:t>=swift</a:t>
             </a:r>
+            <a:r>
+              <a:rPr lang="en-US" dirty="0"/>
+              <a:t/>
+            </a:r>
             <a:br>
-              <a:rPr lang="en-US" dirty="0" smtClean="0"/>
+              <a:rPr lang="en-US" dirty="0"/>
             </a:br>
             <a:r>
-              <a:rPr lang="en-US" dirty="0" smtClean="0"/>
-              <a:t>Node </a:t>
-            </a:r>
-            <a:r>
               <a:rPr lang="en-US" dirty="0"/>
-              <a:t>Properties</a:t>
-            </a:r>
+              <a:t>Node list </a:t>
+            </a:r>
+            <a:r>
+              <a:rPr lang="en-US" dirty="0" smtClean="0"/>
+              <a:t>entry</a:t>
+            </a:r>
+            <a:endParaRPr lang="en-US" dirty="0"/>
           </a:p>
         </p:txBody>
       </p:sp>
@@ -4125,10 +4067,15 @@
             <p:ph idx="1"/>
           </p:nvPr>
         </p:nvSpPr>
-        <p:spPr/>
+        <p:spPr>
+          <a:xfrm>
+            <a:off x="762000" y="1600200"/>
+            <a:ext cx="8229600" cy="4525963"/>
+          </a:xfrm>
+        </p:spPr>
         <p:txBody>
           <a:bodyPr>
-            <a:normAutofit lnSpcReduction="10000"/>
+            <a:normAutofit/>
           </a:bodyPr>
           <a:lstStyle/>
           <a:p>
@@ -4136,127 +4083,77 @@
               <a:buNone/>
             </a:pPr>
             <a:r>
-              <a:rPr lang="en-US" sz="2800" dirty="0" smtClean="0"/>
-              <a:t>Example</a:t>
-            </a:r>
-            <a:r>
-              <a:rPr lang="en-US" sz="2800" dirty="0"/>
-              <a:t> ./</a:t>
-            </a:r>
-            <a:r>
-              <a:rPr lang="en-US" sz="2800" dirty="0" err="1" smtClean="0"/>
+              <a:rPr lang="en-US" dirty="0" smtClean="0"/>
+              <a:t>node.1=9001|sdsc|distrib.prod.9001.__</a:t>
+            </a:r>
+          </a:p>
+          <a:p>
+            <a:pPr marL="0" indent="0">
+              <a:buNone/>
+            </a:pPr>
+            <a:endParaRPr lang="en-US" dirty="0"/>
+          </a:p>
+          <a:p>
+            <a:pPr marL="0" indent="0">
+              <a:buNone/>
+            </a:pPr>
+            <a:r>
+              <a:rPr lang="en-US" dirty="0" smtClean="0"/>
+              <a:t>node.1 – first entry</a:t>
+            </a:r>
+          </a:p>
+          <a:p>
+            <a:pPr marL="0" indent="0">
+              <a:buNone/>
+            </a:pPr>
+            <a:r>
+              <a:rPr lang="en-US" dirty="0" smtClean="0"/>
+              <a:t>9001 – storage node</a:t>
+            </a:r>
+          </a:p>
+          <a:p>
+            <a:pPr marL="0" indent="0">
+              <a:buNone/>
+            </a:pPr>
+            <a:r>
+              <a:rPr lang="en-US" dirty="0" err="1"/>
+              <a:t>s</a:t>
+            </a:r>
+            <a:r>
+              <a:rPr lang="en-US" dirty="0" err="1" smtClean="0"/>
+              <a:t>dsc</a:t>
+            </a:r>
+            <a:r>
+              <a:rPr lang="en-US" dirty="0" smtClean="0"/>
+              <a:t> – cloud properties name: ./</a:t>
+            </a:r>
+            <a:r>
+              <a:rPr lang="en-US" dirty="0" err="1" smtClean="0"/>
               <a:t>sdsc.properties</a:t>
             </a:r>
-            <a:r>
-              <a:rPr lang="en-US" sz="2800" dirty="0" smtClean="0"/>
-              <a:t>:</a:t>
-            </a:r>
-          </a:p>
-          <a:p>
-            <a:pPr marL="0" indent="0">
-              <a:buNone/>
-            </a:pPr>
-            <a:r>
-              <a:rPr lang="en-US" sz="2800" dirty="0" err="1" smtClean="0"/>
-              <a:t>serviceType</a:t>
-            </a:r>
-            <a:r>
-              <a:rPr lang="en-US" sz="2800" dirty="0" smtClean="0"/>
-              <a:t>=swift</a:t>
-            </a:r>
-            <a:endParaRPr lang="en-US" sz="2800" dirty="0"/>
-          </a:p>
-          <a:p>
-            <a:pPr marL="0" indent="0">
-              <a:buNone/>
-            </a:pPr>
-            <a:r>
-              <a:rPr lang="en-US" sz="2800" dirty="0" err="1"/>
-              <a:t>access_key</a:t>
-            </a:r>
-            <a:r>
-              <a:rPr lang="en-US" sz="2800" dirty="0"/>
-              <a:t>=</a:t>
-            </a:r>
-            <a:r>
-              <a:rPr lang="en-US" sz="2800" dirty="0" err="1"/>
-              <a:t>our_service:our_group</a:t>
-            </a:r>
-            <a:endParaRPr lang="en-US" sz="2800" dirty="0"/>
-          </a:p>
-          <a:p>
-            <a:pPr marL="0" indent="0">
-              <a:buNone/>
-            </a:pPr>
-            <a:r>
-              <a:rPr lang="en-US" sz="2800" dirty="0" err="1"/>
-              <a:t>secret_key</a:t>
-            </a:r>
-            <a:r>
-              <a:rPr lang="en-US" sz="2800" dirty="0"/>
-              <a:t>=</a:t>
-            </a:r>
-            <a:r>
-              <a:rPr lang="en-US" sz="2800" dirty="0" err="1"/>
-              <a:t>pwd</a:t>
-            </a:r>
-            <a:endParaRPr lang="en-US" sz="2800" dirty="0"/>
-          </a:p>
-          <a:p>
-            <a:pPr marL="0" indent="0">
-              <a:buNone/>
-            </a:pPr>
-            <a:r>
-              <a:rPr lang="en-US" sz="2800" dirty="0" smtClean="0"/>
-              <a:t>host=cloud.sdsc.edu</a:t>
-            </a:r>
-          </a:p>
-          <a:p>
-            <a:pPr marL="0" indent="0">
-              <a:buNone/>
-            </a:pPr>
-            <a:endParaRPr lang="en-US" sz="2800" dirty="0" smtClean="0"/>
-          </a:p>
-          <a:p>
-            <a:r>
-              <a:rPr lang="en-US" sz="2800" dirty="0" err="1"/>
-              <a:t>access_key</a:t>
-            </a:r>
-            <a:r>
-              <a:rPr lang="en-US" sz="2800" dirty="0"/>
-              <a:t>=</a:t>
-            </a:r>
-            <a:r>
-              <a:rPr lang="en-US" sz="2800" dirty="0" err="1"/>
-              <a:t>our_service:our_group</a:t>
-            </a:r>
-            <a:endParaRPr lang="en-US" sz="2800" dirty="0"/>
-          </a:p>
-          <a:p>
-            <a:r>
-              <a:rPr lang="en-US" sz="2800" dirty="0" err="1" smtClean="0"/>
-              <a:t>secret_key</a:t>
-            </a:r>
-            <a:r>
-              <a:rPr lang="en-US" sz="2800" dirty="0" smtClean="0"/>
-              <a:t>=private password</a:t>
-            </a:r>
-            <a:endParaRPr lang="en-US" sz="2800" dirty="0"/>
-          </a:p>
-          <a:p>
-            <a:r>
-              <a:rPr lang="en-US" sz="2800" dirty="0" smtClean="0"/>
-              <a:t>host=host name for service</a:t>
-            </a:r>
-            <a:endParaRPr lang="en-US" sz="2800" dirty="0"/>
-          </a:p>
-          <a:p>
-            <a:pPr marL="0" indent="0">
-              <a:buNone/>
-            </a:pPr>
-            <a:endParaRPr lang="en-US" sz="2800" dirty="0"/>
-          </a:p>
-          <a:p>
+            <a:endParaRPr lang="en-US" dirty="0" smtClean="0"/>
+          </a:p>
+          <a:p>
+            <a:pPr marL="0" indent="0">
+              <a:buNone/>
+            </a:pPr>
+            <a:r>
+              <a:rPr lang="en-US" dirty="0" smtClean="0"/>
+              <a:t>distrib.prod.9001.__ - </a:t>
+            </a:r>
+            <a:r>
+              <a:rPr lang="en-US" dirty="0" err="1" smtClean="0"/>
+              <a:t>sdsc</a:t>
+            </a:r>
+            <a:r>
+              <a:rPr lang="en-US" dirty="0" smtClean="0"/>
+              <a:t> container</a:t>
+            </a:r>
+          </a:p>
+          <a:p>
+            <a:pPr marL="0" indent="0">
+              <a:buNone/>
+            </a:pPr>
             <a:endParaRPr lang="en-US" dirty="0"/>
           </a:p>
         </p:txBody>
@@ -4264,7 +4161,7 @@
     </p:spTree>
     <p:extLst>
       <p:ext uri="{BB962C8B-B14F-4D97-AF65-F5344CB8AC3E}">
-        <p14:creationId xmlns:p14="http://schemas.microsoft.com/office/powerpoint/2010/main" val="1382673844"/>
+        <p14:creationId xmlns:p14="http://schemas.microsoft.com/office/powerpoint/2010/main" val="1039284703"/>
       </p:ext>
     </p:extLst>
   </p:cSld>
@@ -4301,12 +4198,7 @@
             <p:ph type="title"/>
           </p:nvPr>
         </p:nvSpPr>
-        <p:spPr>
-          <a:xfrm>
-            <a:off x="381000" y="228600"/>
-            <a:ext cx="8229600" cy="1143000"/>
-          </a:xfrm>
-        </p:spPr>
+        <p:spPr/>
         <p:txBody>
           <a:bodyPr>
             <a:normAutofit fontScale="90000"/>
@@ -4319,119 +4211,164 @@
             </a:r>
             <a:r>
               <a:rPr lang="en-US" dirty="0" smtClean="0"/>
+              <a:t>=swift</a:t>
+            </a:r>
+            <a:br>
+              <a:rPr lang="en-US" dirty="0" smtClean="0"/>
+            </a:br>
+            <a:r>
+              <a:rPr lang="en-US" dirty="0" smtClean="0"/>
+              <a:t>Node </a:t>
+            </a:r>
+            <a:r>
+              <a:rPr lang="en-US" dirty="0"/>
+              <a:t>Properties</a:t>
+            </a:r>
+          </a:p>
+        </p:txBody>
+      </p:sp>
+      <p:sp>
+        <p:nvSpPr>
+          <p:cNvPr id="3" name="Content Placeholder 2"/>
+          <p:cNvSpPr>
+            <a:spLocks noGrp="1"/>
+          </p:cNvSpPr>
+          <p:nvPr>
+            <p:ph idx="1"/>
+          </p:nvPr>
+        </p:nvSpPr>
+        <p:spPr/>
+        <p:txBody>
+          <a:bodyPr>
+            <a:normAutofit lnSpcReduction="10000"/>
+          </a:bodyPr>
+          <a:lstStyle/>
+          <a:p>
+            <a:pPr marL="0" indent="0">
+              <a:buNone/>
+            </a:pPr>
+            <a:r>
+              <a:rPr lang="en-US" sz="2800" dirty="0" smtClean="0"/>
+              <a:t>Example</a:t>
+            </a:r>
+            <a:r>
+              <a:rPr lang="en-US" sz="2800" dirty="0"/>
+              <a:t> ./</a:t>
+            </a:r>
+            <a:r>
+              <a:rPr lang="en-US" sz="2800" dirty="0" err="1" smtClean="0"/>
+              <a:t>sdsc.properties</a:t>
+            </a:r>
+            <a:r>
+              <a:rPr lang="en-US" sz="2800" dirty="0" smtClean="0"/>
+              <a:t>:</a:t>
+            </a:r>
+          </a:p>
+          <a:p>
+            <a:pPr marL="0" indent="0">
+              <a:buNone/>
+            </a:pPr>
+            <a:r>
+              <a:rPr lang="en-US" sz="2800" dirty="0" err="1" smtClean="0"/>
+              <a:t>serviceType</a:t>
+            </a:r>
+            <a:r>
+              <a:rPr lang="en-US" sz="2800" dirty="0" smtClean="0"/>
+              <a:t>=swift</a:t>
+            </a:r>
+            <a:endParaRPr lang="en-US" sz="2800" dirty="0"/>
+          </a:p>
+          <a:p>
+            <a:pPr marL="0" indent="0">
+              <a:buNone/>
+            </a:pPr>
+            <a:r>
+              <a:rPr lang="en-US" sz="2800" dirty="0" err="1"/>
+              <a:t>access_key</a:t>
+            </a:r>
+            <a:r>
+              <a:rPr lang="en-US" sz="2800" dirty="0"/>
               <a:t>=</a:t>
             </a:r>
             <a:r>
-              <a:rPr lang="en-US" dirty="0" err="1" smtClean="0"/>
-              <a:t>aws</a:t>
-            </a:r>
-            <a:r>
-              <a:rPr lang="en-US" dirty="0" smtClean="0"/>
-              <a:t/>
-            </a:r>
-            <a:br>
-              <a:rPr lang="en-US" dirty="0" smtClean="0"/>
-            </a:br>
-            <a:r>
-              <a:rPr lang="en-US" dirty="0" smtClean="0"/>
-              <a:t>Node list entry</a:t>
-            </a:r>
-            <a:r>
-              <a:rPr lang="en-US" dirty="0"/>
-              <a:t/>
-            </a:r>
-            <a:br>
-              <a:rPr lang="en-US" dirty="0"/>
-            </a:br>
-            <a:endParaRPr lang="en-US" dirty="0"/>
-          </a:p>
-        </p:txBody>
-      </p:sp>
-      <p:sp>
-        <p:nvSpPr>
-          <p:cNvPr id="3" name="Content Placeholder 2"/>
-          <p:cNvSpPr>
-            <a:spLocks noGrp="1"/>
-          </p:cNvSpPr>
-          <p:nvPr>
-            <p:ph idx="1"/>
-          </p:nvPr>
-        </p:nvSpPr>
-        <p:spPr/>
-        <p:txBody>
-          <a:bodyPr>
-            <a:normAutofit/>
-          </a:bodyPr>
-          <a:lstStyle/>
-          <a:p>
-            <a:pPr marL="0" indent="0">
-              <a:buNone/>
-            </a:pPr>
-            <a:r>
-              <a:rPr lang="en-US" dirty="0" smtClean="0"/>
-              <a:t>Example</a:t>
-            </a:r>
-          </a:p>
-          <a:p>
-            <a:pPr marL="0" indent="0">
-              <a:buNone/>
-            </a:pPr>
-            <a:r>
-              <a:rPr lang="en-US" dirty="0" smtClean="0"/>
-              <a:t>node.3=5001|aws-std|uc3-s3mrt5001-prd</a:t>
-            </a:r>
-          </a:p>
-          <a:p>
-            <a:pPr marL="0" indent="0">
-              <a:buNone/>
-            </a:pPr>
-            <a:endParaRPr lang="en-US" dirty="0"/>
-          </a:p>
-          <a:p>
-            <a:r>
-              <a:rPr lang="en-US" dirty="0"/>
-              <a:t>5</a:t>
-            </a:r>
-            <a:r>
-              <a:rPr lang="en-US" dirty="0" smtClean="0"/>
-              <a:t>001 – Storage service node</a:t>
-            </a:r>
-          </a:p>
-          <a:p>
-            <a:r>
-              <a:rPr lang="en-US" dirty="0" err="1"/>
-              <a:t>aws-std</a:t>
-            </a:r>
-            <a:r>
-              <a:rPr lang="en-US" dirty="0" smtClean="0"/>
-              <a:t> – aws-s3 properties name:</a:t>
-            </a:r>
-          </a:p>
-          <a:p>
-            <a:pPr marL="0" indent="0">
-              <a:buNone/>
-            </a:pPr>
-            <a:r>
-              <a:rPr lang="en-US" dirty="0" smtClean="0"/>
-              <a:t>./</a:t>
-            </a:r>
-            <a:r>
-              <a:rPr lang="en-US" dirty="0" err="1" smtClean="0"/>
-              <a:t>aws-std.properties</a:t>
-            </a:r>
-            <a:endParaRPr lang="en-US" dirty="0" smtClean="0"/>
-          </a:p>
-          <a:p>
-            <a:r>
-              <a:rPr lang="en-US" dirty="0" smtClean="0"/>
-              <a:t>uc3-s3mrt5001-prd – s3 bucket</a:t>
-            </a:r>
-            <a:endParaRPr lang="en-US" dirty="0"/>
-          </a:p>
-          <a:p>
-            <a:pPr marL="0" indent="0">
-              <a:buNone/>
-            </a:pPr>
+              <a:rPr lang="en-US" sz="2800" dirty="0" err="1"/>
+              <a:t>our_service:our_group</a:t>
+            </a:r>
+            <a:endParaRPr lang="en-US" sz="2800" dirty="0"/>
+          </a:p>
+          <a:p>
+            <a:pPr marL="0" indent="0">
+              <a:buNone/>
+            </a:pPr>
+            <a:r>
+              <a:rPr lang="en-US" sz="2800" dirty="0" err="1"/>
+              <a:t>secret_key</a:t>
+            </a:r>
+            <a:r>
+              <a:rPr lang="en-US" sz="2800" dirty="0"/>
+              <a:t>=</a:t>
+            </a:r>
+            <a:r>
+              <a:rPr lang="en-US" sz="2800" dirty="0" err="1"/>
+              <a:t>pwd</a:t>
+            </a:r>
+            <a:endParaRPr lang="en-US" sz="2800" dirty="0"/>
+          </a:p>
+          <a:p>
+            <a:pPr marL="0" indent="0">
+              <a:buNone/>
+            </a:pPr>
+            <a:r>
+              <a:rPr lang="en-US" sz="2800" dirty="0" smtClean="0"/>
+              <a:t>host=cloud.sdsc.edu</a:t>
+            </a:r>
+          </a:p>
+          <a:p>
+            <a:pPr marL="0" indent="0">
+              <a:buNone/>
+            </a:pPr>
+            <a:endParaRPr lang="en-US" sz="2800" dirty="0" smtClean="0"/>
+          </a:p>
+          <a:p>
+            <a:r>
+              <a:rPr lang="en-US" sz="2800" dirty="0" err="1"/>
+              <a:t>access_key</a:t>
+            </a:r>
+            <a:r>
+              <a:rPr lang="en-US" sz="2800" dirty="0"/>
+              <a:t>=</a:t>
+            </a:r>
+            <a:r>
+              <a:rPr lang="en-US" sz="2800" dirty="0" err="1"/>
+              <a:t>our_service:our_group</a:t>
+            </a:r>
+            <a:endParaRPr lang="en-US" sz="2800" dirty="0"/>
+          </a:p>
+          <a:p>
+            <a:r>
+              <a:rPr lang="en-US" sz="2800" dirty="0" err="1" smtClean="0"/>
+              <a:t>secret_key</a:t>
+            </a:r>
+            <a:r>
+              <a:rPr lang="en-US" sz="2800" dirty="0" smtClean="0"/>
+              <a:t>=private password</a:t>
+            </a:r>
+            <a:endParaRPr lang="en-US" sz="2800" dirty="0"/>
+          </a:p>
+          <a:p>
+            <a:r>
+              <a:rPr lang="en-US" sz="2800" dirty="0" smtClean="0"/>
+              <a:t>host=host name for service</a:t>
+            </a:r>
+            <a:endParaRPr lang="en-US" sz="2800" dirty="0"/>
+          </a:p>
+          <a:p>
+            <a:pPr marL="0" indent="0">
+              <a:buNone/>
+            </a:pPr>
+            <a:endParaRPr lang="en-US" sz="2800" dirty="0"/>
+          </a:p>
+          <a:p>
             <a:endParaRPr lang="en-US" dirty="0"/>
           </a:p>
         </p:txBody>
@@ -4439,7 +4376,7 @@
     </p:spTree>
     <p:extLst>
       <p:ext uri="{BB962C8B-B14F-4D97-AF65-F5344CB8AC3E}">
-        <p14:creationId xmlns:p14="http://schemas.microsoft.com/office/powerpoint/2010/main" val="2203065408"/>
+        <p14:creationId xmlns:p14="http://schemas.microsoft.com/office/powerpoint/2010/main" val="1382673844"/>
       </p:ext>
     </p:extLst>
   </p:cSld>
@@ -4476,7 +4413,12 @@
             <p:ph type="title"/>
           </p:nvPr>
         </p:nvSpPr>
-        <p:spPr/>
+        <p:spPr>
+          <a:xfrm>
+            <a:off x="381000" y="228600"/>
+            <a:ext cx="8229600" cy="1143000"/>
+          </a:xfrm>
+        </p:spPr>
         <p:txBody>
           <a:bodyPr>
             <a:normAutofit fontScale="90000"/>
@@ -4504,7 +4446,7 @@
             </a:br>
             <a:r>
               <a:rPr lang="en-US" dirty="0" smtClean="0"/>
-              <a:t>Node Properties</a:t>
+              <a:t>Node list entry</a:t>
             </a:r>
             <a:r>
               <a:rPr lang="en-US" dirty="0"/>
@@ -4530,7 +4472,7 @@
         <p:spPr/>
         <p:txBody>
           <a:bodyPr>
-            <a:normAutofit fontScale="92500" lnSpcReduction="10000"/>
+            <a:normAutofit/>
           </a:bodyPr>
           <a:lstStyle/>
           <a:p>
@@ -4539,120 +4481,69 @@
             </a:pPr>
             <a:r>
               <a:rPr lang="en-US" dirty="0" smtClean="0"/>
-              <a:t>Example </a:t>
-            </a:r>
+              <a:t>Example</a:t>
+            </a:r>
+          </a:p>
+          <a:p>
+            <a:pPr marL="0" indent="0">
+              <a:buNone/>
+            </a:pPr>
+            <a:r>
+              <a:rPr lang="en-US" dirty="0" smtClean="0"/>
+              <a:t>node.3=5001|aws-std|uc3-s3mrt5001-prd</a:t>
+            </a:r>
+          </a:p>
+          <a:p>
+            <a:pPr marL="0" indent="0">
+              <a:buNone/>
+            </a:pPr>
+            <a:endParaRPr lang="en-US" dirty="0"/>
+          </a:p>
+          <a:p>
             <a:r>
               <a:rPr lang="en-US" dirty="0"/>
+              <a:t>5</a:t>
+            </a:r>
+            <a:r>
+              <a:rPr lang="en-US" dirty="0" smtClean="0"/>
+              <a:t>001 – Storage service node</a:t>
+            </a:r>
+          </a:p>
+          <a:p>
+            <a:r>
+              <a:rPr lang="en-US" dirty="0" err="1"/>
+              <a:t>aws-std</a:t>
+            </a:r>
+            <a:r>
+              <a:rPr lang="en-US" dirty="0" smtClean="0"/>
+              <a:t> – aws-s3 properties name:</a:t>
+            </a:r>
+          </a:p>
+          <a:p>
+            <a:pPr marL="0" indent="0">
+              <a:buNone/>
+            </a:pPr>
+            <a:r>
+              <a:rPr lang="en-US" dirty="0" smtClean="0"/>
               <a:t>./</a:t>
             </a:r>
             <a:r>
               <a:rPr lang="en-US" dirty="0" err="1" smtClean="0"/>
               <a:t>aws-std.properties</a:t>
             </a:r>
-            <a:r>
-              <a:rPr lang="en-US" dirty="0" smtClean="0"/>
-              <a:t>:</a:t>
-            </a:r>
-            <a:endParaRPr lang="en-US" dirty="0"/>
-          </a:p>
-          <a:p>
-            <a:pPr marL="0" indent="0">
-              <a:buNone/>
-            </a:pPr>
-            <a:r>
-              <a:rPr lang="en-US" sz="2800" dirty="0" err="1"/>
-              <a:t>serviceType</a:t>
-            </a:r>
-            <a:r>
-              <a:rPr lang="en-US" sz="2800" dirty="0"/>
-              <a:t>=</a:t>
-            </a:r>
-            <a:r>
-              <a:rPr lang="en-US" sz="2800" dirty="0" err="1"/>
-              <a:t>aws</a:t>
-            </a:r>
-            <a:endParaRPr lang="en-US" sz="2800" dirty="0"/>
-          </a:p>
-          <a:p>
-            <a:pPr marL="0" indent="0">
-              <a:buNone/>
-            </a:pPr>
-            <a:r>
-              <a:rPr lang="en-US" sz="2800" dirty="0" err="1"/>
-              <a:t>accessMode</a:t>
-            </a:r>
-            <a:r>
-              <a:rPr lang="en-US" sz="2800" dirty="0"/>
-              <a:t>=on-line</a:t>
-            </a:r>
-          </a:p>
-          <a:p>
-            <a:pPr marL="0" indent="0">
-              <a:buNone/>
-            </a:pPr>
-            <a:r>
-              <a:rPr lang="en-US" sz="2800" dirty="0" err="1" smtClean="0"/>
-              <a:t>storageClass</a:t>
-            </a:r>
-            <a:r>
-              <a:rPr lang="en-US" sz="2800" dirty="0" smtClean="0"/>
-              <a:t>=Standard</a:t>
-            </a:r>
-          </a:p>
-          <a:p>
-            <a:pPr marL="0" indent="0">
-              <a:buNone/>
-            </a:pPr>
-            <a:endParaRPr lang="en-US" sz="2800" dirty="0"/>
-          </a:p>
-          <a:p>
-            <a:r>
-              <a:rPr lang="en-US" dirty="0" err="1" smtClean="0"/>
-              <a:t>serviceType</a:t>
-            </a:r>
-            <a:r>
-              <a:rPr lang="en-US" dirty="0" smtClean="0"/>
-              <a:t> – s3</a:t>
-            </a:r>
-          </a:p>
-          <a:p>
-            <a:r>
-              <a:rPr lang="en-US" dirty="0" err="1" smtClean="0"/>
-              <a:t>accessMode</a:t>
-            </a:r>
-            <a:r>
-              <a:rPr lang="en-US" dirty="0"/>
-              <a:t>=</a:t>
-            </a:r>
-            <a:r>
-              <a:rPr lang="en-US" dirty="0" smtClean="0"/>
-              <a:t>on-line directly accessible</a:t>
-            </a:r>
-          </a:p>
-          <a:p>
-            <a:pPr marL="0" indent="0">
-              <a:buNone/>
-            </a:pPr>
-            <a:r>
-              <a:rPr lang="en-US" dirty="0" smtClean="0"/>
-              <a:t>Storage content </a:t>
-            </a:r>
-          </a:p>
-          <a:p>
-            <a:r>
-              <a:rPr lang="en-US" dirty="0" err="1" smtClean="0"/>
-              <a:t>storageClass</a:t>
-            </a:r>
-            <a:r>
-              <a:rPr lang="en-US" dirty="0" smtClean="0"/>
-              <a:t>=Standard</a:t>
-            </a:r>
-            <a:endParaRPr lang="en-US" dirty="0"/>
-          </a:p>
-          <a:p>
             <a:endParaRPr lang="en-US" dirty="0" smtClean="0"/>
           </a:p>
           <a:p>
+            <a:r>
+              <a:rPr lang="en-US" dirty="0" smtClean="0"/>
+              <a:t>uc3-s3mrt5001-prd – s3 bucket</a:t>
+            </a:r>
+            <a:endParaRPr lang="en-US" dirty="0"/>
+          </a:p>
+          <a:p>
+            <a:pPr marL="0" indent="0">
+              <a:buNone/>
+            </a:pPr>
             <a:endParaRPr lang="en-US" dirty="0"/>
           </a:p>
         </p:txBody>
@@ -4660,7 +4551,7 @@
     </p:spTree>
     <p:extLst>
       <p:ext uri="{BB962C8B-B14F-4D97-AF65-F5344CB8AC3E}">
-        <p14:creationId xmlns:p14="http://schemas.microsoft.com/office/powerpoint/2010/main" val="1772349287"/>
+        <p14:creationId xmlns:p14="http://schemas.microsoft.com/office/powerpoint/2010/main" val="2203065408"/>
       </p:ext>
     </p:extLst>
   </p:cSld>
@@ -4697,12 +4588,7 @@
             <p:ph type="title"/>
           </p:nvPr>
         </p:nvSpPr>
-        <p:spPr>
-          <a:xfrm>
-            <a:off x="381000" y="228600"/>
-            <a:ext cx="8229600" cy="1143000"/>
-          </a:xfrm>
-        </p:spPr>
+        <p:spPr/>
         <p:txBody>
           <a:bodyPr>
             <a:normAutofit fontScale="90000"/>
@@ -4730,7 +4616,7 @@
             </a:br>
             <a:r>
               <a:rPr lang="en-US" dirty="0" smtClean="0"/>
-              <a:t>Node list entry</a:t>
+              <a:t>Node Properties</a:t>
             </a:r>
             <a:r>
               <a:rPr lang="en-US" dirty="0"/>
@@ -4756,7 +4642,7 @@
         <p:spPr/>
         <p:txBody>
           <a:bodyPr>
-            <a:normAutofit/>
+            <a:normAutofit fontScale="92500" lnSpcReduction="10000"/>
           </a:bodyPr>
           <a:lstStyle/>
           <a:p>
@@ -4765,72 +4651,120 @@
             </a:pPr>
             <a:r>
               <a:rPr lang="en-US" dirty="0" smtClean="0"/>
-              <a:t>Example</a:t>
-            </a:r>
-          </a:p>
-          <a:p>
-            <a:pPr marL="0" indent="0">
-              <a:buNone/>
-            </a:pPr>
-            <a:r>
-              <a:rPr lang="en-US" dirty="0" smtClean="0"/>
-              <a:t>node.4=6001|aws-near|uc3-s3mrt6001-prd</a:t>
-            </a:r>
-          </a:p>
-          <a:p>
-            <a:pPr marL="0" indent="0">
-              <a:buNone/>
-            </a:pPr>
-            <a:endParaRPr lang="en-US" dirty="0" smtClean="0"/>
-          </a:p>
-          <a:p>
-            <a:r>
-              <a:rPr lang="en-US" dirty="0" smtClean="0"/>
-              <a:t>6001 – storage node</a:t>
-            </a:r>
-            <a:endParaRPr lang="en-US" dirty="0"/>
-          </a:p>
-          <a:p>
-            <a:r>
-              <a:rPr lang="en-US" dirty="0" err="1" smtClean="0"/>
-              <a:t>aws</a:t>
-            </a:r>
-            <a:r>
-              <a:rPr lang="en-US" dirty="0" smtClean="0"/>
-              <a:t>-near </a:t>
-            </a:r>
-            <a:r>
-              <a:rPr lang="en-US" dirty="0"/>
-              <a:t>– aws-s3 properties name:</a:t>
-            </a:r>
-          </a:p>
-          <a:p>
-            <a:pPr marL="0" indent="0">
-              <a:buNone/>
-            </a:pPr>
+              <a:t>Example </a:t>
+            </a:r>
             <a:r>
               <a:rPr lang="en-US" dirty="0"/>
               <a:t>./</a:t>
             </a:r>
             <a:r>
               <a:rPr lang="en-US" dirty="0" err="1" smtClean="0"/>
-              <a:t>aws-near.properties</a:t>
-            </a:r>
-            <a:endParaRPr lang="en-US" dirty="0"/>
-          </a:p>
-          <a:p>
-            <a:r>
-              <a:rPr lang="en-US" dirty="0" smtClean="0"/>
-              <a:t>uc3-s3mrt6001-prd </a:t>
+              <a:t>aws-std.properties</a:t>
+            </a:r>
+            <a:r>
+              <a:rPr lang="en-US" dirty="0" smtClean="0"/>
+              <a:t>:</a:t>
+            </a:r>
+            <a:endParaRPr lang="en-US" dirty="0"/>
+          </a:p>
+          <a:p>
+            <a:pPr marL="0" indent="0">
+              <a:buNone/>
+            </a:pPr>
+            <a:r>
+              <a:rPr lang="en-US" sz="2800" dirty="0" err="1"/>
+              <a:t>serviceType</a:t>
+            </a:r>
+            <a:r>
+              <a:rPr lang="en-US" sz="2800" dirty="0"/>
+              <a:t>=</a:t>
+            </a:r>
+            <a:r>
+              <a:rPr lang="en-US" sz="2800" dirty="0" err="1"/>
+              <a:t>aws</a:t>
+            </a:r>
+            <a:endParaRPr lang="en-US" sz="2800" dirty="0"/>
+          </a:p>
+          <a:p>
+            <a:pPr marL="0" indent="0">
+              <a:buNone/>
+            </a:pPr>
+            <a:r>
+              <a:rPr lang="en-US" sz="2800" dirty="0" err="1"/>
+              <a:t>accessMode</a:t>
+            </a:r>
+            <a:r>
+              <a:rPr lang="en-US" sz="2800" dirty="0"/>
+              <a:t>=on-line</a:t>
+            </a:r>
+          </a:p>
+          <a:p>
+            <a:pPr marL="0" indent="0">
+              <a:buNone/>
+            </a:pPr>
+            <a:r>
+              <a:rPr lang="en-US" sz="2800" dirty="0" err="1" smtClean="0"/>
+              <a:t>storageClass</a:t>
+            </a:r>
+            <a:r>
+              <a:rPr lang="en-US" sz="2800" dirty="0" smtClean="0"/>
+              <a:t>=Standard</a:t>
+            </a:r>
+          </a:p>
+          <a:p>
+            <a:pPr marL="0" indent="0">
+              <a:buNone/>
+            </a:pPr>
+            <a:endParaRPr lang="en-US" sz="2800" dirty="0"/>
+          </a:p>
+          <a:p>
+            <a:r>
+              <a:rPr lang="en-US" dirty="0" err="1" smtClean="0"/>
+              <a:t>serviceType</a:t>
+            </a:r>
+            <a:r>
+              <a:rPr lang="en-US" dirty="0" smtClean="0"/>
+              <a:t> – s3</a:t>
+            </a:r>
+          </a:p>
+          <a:p>
+            <a:r>
+              <a:rPr lang="en-US" dirty="0" err="1" smtClean="0"/>
+              <a:t>accessMode</a:t>
             </a:r>
             <a:r>
               <a:rPr lang="en-US" dirty="0"/>
-              <a:t>– s3 </a:t>
-            </a:r>
-            <a:r>
-              <a:rPr lang="en-US" dirty="0" smtClean="0"/>
-              <a:t>bucket</a:t>
-            </a:r>
+              <a:t>=</a:t>
+            </a:r>
+            <a:r>
+              <a:rPr lang="en-US" dirty="0" smtClean="0"/>
+              <a:t>on-line directly accessible</a:t>
+            </a:r>
+          </a:p>
+          <a:p>
+            <a:pPr marL="0" indent="0">
+              <a:buNone/>
+            </a:pPr>
+            <a:r>
+              <a:rPr lang="en-US" dirty="0" smtClean="0"/>
+              <a:t>Storage content </a:t>
+            </a:r>
+          </a:p>
+          <a:p>
+            <a:r>
+              <a:rPr lang="en-US" dirty="0" err="1" smtClean="0"/>
+              <a:t>storageClass</a:t>
+            </a:r>
+            <a:r>
+              <a:rPr lang="en-US" dirty="0" smtClean="0"/>
+              <a:t>=Standard</a:t>
+            </a:r>
+            <a:endParaRPr lang="en-US" dirty="0"/>
+          </a:p>
+          <a:p>
+            <a:endParaRPr lang="en-US" dirty="0" smtClean="0"/>
+          </a:p>
+          <a:p>
             <a:endParaRPr lang="en-US" dirty="0"/>
           </a:p>
         </p:txBody>
@@ -4838,7 +4772,7 @@
     </p:spTree>
     <p:extLst>
       <p:ext uri="{BB962C8B-B14F-4D97-AF65-F5344CB8AC3E}">
-        <p14:creationId xmlns:p14="http://schemas.microsoft.com/office/powerpoint/2010/main" val="2629727660"/>
+        <p14:creationId xmlns:p14="http://schemas.microsoft.com/office/powerpoint/2010/main" val="1772349287"/>
       </p:ext>
     </p:extLst>
   </p:cSld>
@@ -4875,7 +4809,12 @@
             <p:ph type="title"/>
           </p:nvPr>
         </p:nvSpPr>
-        <p:spPr/>
+        <p:spPr>
+          <a:xfrm>
+            <a:off x="381000" y="228600"/>
+            <a:ext cx="8229600" cy="1143000"/>
+          </a:xfrm>
+        </p:spPr>
         <p:txBody>
           <a:bodyPr>
             <a:normAutofit fontScale="90000"/>
@@ -4903,7 +4842,7 @@
             </a:br>
             <a:r>
               <a:rPr lang="en-US" dirty="0" smtClean="0"/>
-              <a:t>Node Properties</a:t>
+              <a:t>Node list entry</a:t>
             </a:r>
             <a:r>
               <a:rPr lang="en-US" dirty="0"/>
@@ -4938,84 +4877,72 @@
             </a:pPr>
             <a:r>
               <a:rPr lang="en-US" dirty="0" smtClean="0"/>
-              <a:t>Example  ./</a:t>
+              <a:t>Example</a:t>
+            </a:r>
+          </a:p>
+          <a:p>
+            <a:pPr marL="0" indent="0">
+              <a:buNone/>
+            </a:pPr>
+            <a:r>
+              <a:rPr lang="en-US" dirty="0" smtClean="0"/>
+              <a:t>node.4=6001|aws-near|uc3-s3mrt6001-prd</a:t>
+            </a:r>
+          </a:p>
+          <a:p>
+            <a:pPr marL="0" indent="0">
+              <a:buNone/>
+            </a:pPr>
+            <a:endParaRPr lang="en-US" dirty="0" smtClean="0"/>
+          </a:p>
+          <a:p>
+            <a:r>
+              <a:rPr lang="en-US" dirty="0" smtClean="0"/>
+              <a:t>6001 – storage node</a:t>
+            </a:r>
+            <a:endParaRPr lang="en-US" dirty="0"/>
+          </a:p>
+          <a:p>
+            <a:r>
+              <a:rPr lang="en-US" dirty="0" err="1" smtClean="0"/>
+              <a:t>aws</a:t>
+            </a:r>
+            <a:r>
+              <a:rPr lang="en-US" dirty="0" smtClean="0"/>
+              <a:t>-near </a:t>
+            </a:r>
+            <a:r>
+              <a:rPr lang="en-US" dirty="0"/>
+              <a:t>– aws-s3 properties name:</a:t>
+            </a:r>
+          </a:p>
+          <a:p>
+            <a:pPr marL="0" indent="0">
+              <a:buNone/>
+            </a:pPr>
+            <a:r>
+              <a:rPr lang="en-US" dirty="0"/>
+              <a:t>./</a:t>
             </a:r>
             <a:r>
               <a:rPr lang="en-US" dirty="0" err="1" smtClean="0"/>
               <a:t>aws-near.properties</a:t>
             </a:r>
-            <a:r>
-              <a:rPr lang="en-US" dirty="0" smtClean="0"/>
-              <a:t>:</a:t>
-            </a:r>
-            <a:endParaRPr lang="en-US" dirty="0"/>
-          </a:p>
-          <a:p>
-            <a:pPr marL="0" indent="0">
-              <a:buNone/>
-            </a:pPr>
-            <a:r>
-              <a:rPr lang="en-US" dirty="0" err="1"/>
-              <a:t>serviceType</a:t>
+            <a:endParaRPr lang="en-US" dirty="0"/>
+          </a:p>
+          <a:p>
+            <a:r>
+              <a:rPr lang="en-US" dirty="0" smtClean="0"/>
+              <a:t>uc3-s3mrt6001-prd </a:t>
             </a:r>
             <a:r>
               <a:rPr lang="en-US" dirty="0"/>
-              <a:t>=</a:t>
-            </a:r>
-            <a:r>
-              <a:rPr lang="en-US" dirty="0" err="1"/>
-              <a:t>aws</a:t>
-            </a:r>
-            <a:endParaRPr lang="en-US" dirty="0"/>
-          </a:p>
-          <a:p>
-            <a:pPr marL="0" indent="0">
-              <a:buNone/>
-            </a:pPr>
-            <a:r>
-              <a:rPr lang="en-US" dirty="0" err="1" smtClean="0"/>
-              <a:t>accessMode</a:t>
-            </a:r>
-            <a:r>
-              <a:rPr lang="en-US" dirty="0" smtClean="0"/>
-              <a:t>=near-line</a:t>
-            </a:r>
-          </a:p>
-          <a:p>
-            <a:pPr marL="0" indent="0">
-              <a:buNone/>
-            </a:pPr>
-            <a:endParaRPr lang="en-US" sz="2800" dirty="0"/>
-          </a:p>
-          <a:p>
-            <a:r>
-              <a:rPr lang="en-US" dirty="0" err="1" smtClean="0"/>
-              <a:t>serviceType</a:t>
-            </a:r>
-            <a:r>
-              <a:rPr lang="en-US" dirty="0" smtClean="0"/>
-              <a:t>=</a:t>
-            </a:r>
-            <a:r>
-              <a:rPr lang="en-US" dirty="0" err="1" smtClean="0"/>
-              <a:t>aws</a:t>
-            </a:r>
-            <a:r>
-              <a:rPr lang="en-US" dirty="0" smtClean="0"/>
-              <a:t> – s3</a:t>
-            </a:r>
-          </a:p>
-          <a:p>
-            <a:r>
-              <a:rPr lang="en-US" dirty="0" err="1" smtClean="0"/>
-              <a:t>accessMode</a:t>
-            </a:r>
-            <a:r>
-              <a:rPr lang="en-US" dirty="0" smtClean="0"/>
-              <a:t>=near-line Glacier S3 bucket</a:t>
-            </a:r>
-          </a:p>
-          <a:p>
+              <a:t>– s3 </a:t>
+            </a:r>
+            <a:r>
+              <a:rPr lang="en-US" dirty="0" smtClean="0"/>
+              <a:t>bucket</a:t>
+            </a:r>
             <a:endParaRPr lang="en-US" dirty="0"/>
           </a:p>
         </p:txBody>
@@ -5023,7 +4950,7 @@
     </p:spTree>
     <p:extLst>
       <p:ext uri="{BB962C8B-B14F-4D97-AF65-F5344CB8AC3E}">
-        <p14:creationId xmlns:p14="http://schemas.microsoft.com/office/powerpoint/2010/main" val="265208840"/>
+        <p14:creationId xmlns:p14="http://schemas.microsoft.com/office/powerpoint/2010/main" val="2629727660"/>
       </p:ext>
     </p:extLst>
   </p:cSld>
@@ -5077,7 +5004,7 @@
             </a:r>
             <a:r>
               <a:rPr lang="en-US" dirty="0" err="1" smtClean="0"/>
-              <a:t>pairtree</a:t>
+              <a:t>aws</a:t>
             </a:r>
             <a:r>
               <a:rPr lang="en-US" dirty="0" smtClean="0"/>
@@ -5088,7 +5015,7 @@
             </a:br>
             <a:r>
               <a:rPr lang="en-US" dirty="0" smtClean="0"/>
-              <a:t>Node list entry</a:t>
+              <a:t>Node Properties</a:t>
             </a:r>
             <a:r>
               <a:rPr lang="en-US" dirty="0"/>
@@ -5111,12 +5038,7 @@
             <p:ph idx="1"/>
           </p:nvPr>
         </p:nvSpPr>
-        <p:spPr>
-          <a:xfrm>
-            <a:off x="152400" y="1600200"/>
-            <a:ext cx="8986157" cy="4525963"/>
-          </a:xfrm>
-        </p:spPr>
+        <p:spPr/>
         <p:txBody>
           <a:bodyPr>
             <a:normAutofit/>
@@ -5128,64 +5050,84 @@
             </a:pPr>
             <a:r>
               <a:rPr lang="en-US" dirty="0" smtClean="0"/>
-              <a:t>Example</a:t>
-            </a:r>
-          </a:p>
-          <a:p>
-            <a:pPr marL="0" indent="0">
-              <a:buNone/>
-            </a:pPr>
-            <a:r>
-              <a:rPr lang="en-US" dirty="0" smtClean="0"/>
-              <a:t>node.2=8001|ucla-prod</a:t>
-            </a:r>
-          </a:p>
-          <a:p>
-            <a:pPr marL="0" indent="0">
-              <a:buNone/>
-            </a:pPr>
-            <a:endParaRPr lang="en-US" dirty="0"/>
-          </a:p>
-          <a:p>
-            <a:r>
-              <a:rPr lang="en-US" dirty="0" smtClean="0"/>
-              <a:t>8001 – Storage service node</a:t>
-            </a:r>
-          </a:p>
-          <a:p>
+              <a:t>Example  ./</a:t>
+            </a:r>
+            <a:r>
+              <a:rPr lang="en-US" dirty="0" err="1" smtClean="0"/>
+              <a:t>aws-near.properties</a:t>
+            </a:r>
+            <a:r>
+              <a:rPr lang="en-US" dirty="0" smtClean="0"/>
+              <a:t>:</a:t>
+            </a:r>
+            <a:endParaRPr lang="en-US" dirty="0"/>
+          </a:p>
+          <a:p>
+            <a:pPr marL="0" indent="0">
+              <a:buNone/>
+            </a:pPr>
             <a:r>
               <a:rPr lang="en-US" dirty="0" err="1"/>
-              <a:t>u</a:t>
-            </a:r>
+              <a:t>serviceType</a:t>
+            </a:r>
+            <a:r>
+              <a:rPr lang="en-US" dirty="0"/>
+              <a:t>=</a:t>
+            </a:r>
+            <a:r>
+              <a:rPr lang="en-US" dirty="0" err="1"/>
+              <a:t>aws</a:t>
+            </a:r>
+            <a:endParaRPr lang="en-US" dirty="0"/>
+          </a:p>
+          <a:p>
+            <a:pPr marL="0" indent="0">
+              <a:buNone/>
+            </a:pPr>
             <a:r>
               <a:rPr lang="en-US" dirty="0" err="1" smtClean="0"/>
-              <a:t>cla</a:t>
-            </a:r>
-            <a:r>
-              <a:rPr lang="en-US" dirty="0" smtClean="0"/>
-              <a:t>-prod – </a:t>
-            </a:r>
+              <a:t>accessMode</a:t>
+            </a:r>
+            <a:r>
+              <a:rPr lang="en-US" dirty="0" smtClean="0"/>
+              <a:t>=near-line</a:t>
+            </a:r>
+          </a:p>
+          <a:p>
+            <a:pPr marL="0" indent="0">
+              <a:buNone/>
+            </a:pPr>
+            <a:endParaRPr lang="en-US" sz="2800" dirty="0"/>
+          </a:p>
+          <a:p>
             <a:r>
               <a:rPr lang="en-US" dirty="0" err="1" smtClean="0"/>
-              <a:t>cloudhost</a:t>
-            </a:r>
-            <a:r>
-              <a:rPr lang="en-US" dirty="0" smtClean="0"/>
-              <a:t> properties name:</a:t>
-            </a:r>
-          </a:p>
-          <a:p>
-            <a:pPr marL="0" indent="0">
-              <a:buNone/>
-            </a:pPr>
-            <a:r>
-              <a:rPr lang="en-US" dirty="0" smtClean="0"/>
-              <a:t>./</a:t>
+              <a:t>serviceType</a:t>
+            </a:r>
+            <a:r>
+              <a:rPr lang="en-US" dirty="0" smtClean="0"/>
+              <a:t>=</a:t>
             </a:r>
             <a:r>
               <a:rPr lang="en-US" dirty="0" err="1" smtClean="0"/>
-              <a:t>ucla-prod.properties</a:t>
-            </a:r>
+              <a:t>aws</a:t>
+            </a:r>
+            <a:r>
+              <a:rPr lang="en-US" dirty="0" smtClean="0"/>
+              <a:t> – s3</a:t>
+            </a:r>
+          </a:p>
+          <a:p>
+            <a:r>
+              <a:rPr lang="en-US" dirty="0" err="1" smtClean="0"/>
+              <a:t>accessMode</a:t>
+            </a:r>
+            <a:r>
+              <a:rPr lang="en-US" dirty="0" smtClean="0"/>
+              <a:t>=near-line Glacier S3 bucket</a:t>
+            </a:r>
+          </a:p>
+          <a:p>
             <a:endParaRPr lang="en-US" dirty="0"/>
           </a:p>
         </p:txBody>
@@ -5193,7 +5135,7 @@
     </p:spTree>
     <p:extLst>
       <p:ext uri="{BB962C8B-B14F-4D97-AF65-F5344CB8AC3E}">
-        <p14:creationId xmlns:p14="http://schemas.microsoft.com/office/powerpoint/2010/main" val="1389389059"/>
+        <p14:creationId xmlns:p14="http://schemas.microsoft.com/office/powerpoint/2010/main" val="265208840"/>
       </p:ext>
     </p:extLst>
   </p:cSld>
@@ -5370,7 +5312,7 @@
             </a:br>
             <a:r>
               <a:rPr lang="en-US" dirty="0" smtClean="0"/>
-              <a:t>Node Properties</a:t>
+              <a:t>Node list entry</a:t>
             </a:r>
             <a:r>
               <a:rPr lang="en-US" dirty="0"/>
@@ -5393,7 +5335,12 @@
             <p:ph idx="1"/>
           </p:nvPr>
         </p:nvSpPr>
-        <p:spPr/>
+        <p:spPr>
+          <a:xfrm>
+            <a:off x="152400" y="1600200"/>
+            <a:ext cx="8986157" cy="4525963"/>
+          </a:xfrm>
+        </p:spPr>
         <p:txBody>
           <a:bodyPr>
             <a:normAutofit/>
@@ -5405,89 +5352,63 @@
             </a:pPr>
             <a:r>
               <a:rPr lang="en-US" dirty="0" smtClean="0"/>
-              <a:t>Example </a:t>
-            </a:r>
-            <a:r>
-              <a:rPr lang="en-US" dirty="0"/>
+              <a:t>Example</a:t>
+            </a:r>
+          </a:p>
+          <a:p>
+            <a:pPr marL="0" indent="0">
+              <a:buNone/>
+            </a:pPr>
+            <a:r>
+              <a:rPr lang="en-US" dirty="0" smtClean="0"/>
+              <a:t>node.2=8001|ucla-prod</a:t>
+            </a:r>
+          </a:p>
+          <a:p>
+            <a:pPr marL="0" indent="0">
+              <a:buNone/>
+            </a:pPr>
+            <a:endParaRPr lang="en-US" dirty="0"/>
+          </a:p>
+          <a:p>
+            <a:r>
+              <a:rPr lang="en-US" dirty="0" smtClean="0"/>
+              <a:t>8001 – Storage service node</a:t>
+            </a:r>
+          </a:p>
+          <a:p>
+            <a:r>
+              <a:rPr lang="en-US" dirty="0" err="1"/>
+              <a:t>u</a:t>
+            </a:r>
+            <a:r>
+              <a:rPr lang="en-US" dirty="0" err="1" smtClean="0"/>
+              <a:t>cla</a:t>
+            </a:r>
+            <a:r>
+              <a:rPr lang="en-US" dirty="0" smtClean="0"/>
+              <a:t>-prod – </a:t>
+            </a:r>
+            <a:r>
+              <a:rPr lang="en-US" dirty="0" err="1" smtClean="0"/>
+              <a:t>cloudhost</a:t>
+            </a:r>
+            <a:r>
+              <a:rPr lang="en-US" dirty="0" smtClean="0"/>
+              <a:t> properties name:</a:t>
+            </a:r>
+          </a:p>
+          <a:p>
+            <a:pPr marL="0" indent="0">
+              <a:buNone/>
+            </a:pPr>
+            <a:r>
+              <a:rPr lang="en-US" dirty="0" smtClean="0"/>
               <a:t>./</a:t>
             </a:r>
             <a:r>
               <a:rPr lang="en-US" dirty="0" err="1" smtClean="0"/>
               <a:t>ucla-prod.properties</a:t>
-            </a:r>
-            <a:r>
-              <a:rPr lang="en-US" dirty="0" smtClean="0"/>
-              <a:t>:</a:t>
-            </a:r>
-            <a:endParaRPr lang="en-US" dirty="0"/>
-          </a:p>
-          <a:p>
-            <a:pPr marL="0" indent="0">
-              <a:buNone/>
-            </a:pPr>
-            <a:r>
-              <a:rPr lang="en-US" sz="2800" dirty="0" err="1"/>
-              <a:t>serviceType</a:t>
-            </a:r>
-            <a:r>
-              <a:rPr lang="en-US" sz="2800" dirty="0"/>
-              <a:t>=</a:t>
-            </a:r>
-            <a:r>
-              <a:rPr lang="en-US" sz="2800" dirty="0" err="1"/>
-              <a:t>pairtree</a:t>
-            </a:r>
-            <a:endParaRPr lang="en-US" sz="2800" dirty="0"/>
-          </a:p>
-          <a:p>
-            <a:pPr marL="0" indent="0">
-              <a:buNone/>
-            </a:pPr>
-            <a:r>
-              <a:rPr lang="en-US" sz="2800" dirty="0"/>
-              <a:t>base=/</a:t>
-            </a:r>
-            <a:r>
-              <a:rPr lang="en-US" sz="2800" dirty="0" err="1" smtClean="0"/>
-              <a:t>mrt</a:t>
-            </a:r>
-            <a:r>
-              <a:rPr lang="en-US" sz="2800" dirty="0" smtClean="0"/>
-              <a:t>-</a:t>
-            </a:r>
-            <a:r>
-              <a:rPr lang="en-US" sz="2800" dirty="0" err="1" smtClean="0"/>
-              <a:t>ucla</a:t>
-            </a:r>
-            <a:r>
-              <a:rPr lang="en-US" sz="2800" dirty="0" smtClean="0"/>
-              <a:t>-prod/dpr2/repository/node8001/store/</a:t>
-            </a:r>
-            <a:r>
-              <a:rPr lang="en-US" sz="2800" dirty="0" err="1" smtClean="0"/>
-              <a:t>fileCloud</a:t>
-            </a:r>
-            <a:endParaRPr lang="en-US" sz="2800" dirty="0" smtClean="0"/>
-          </a:p>
-          <a:p>
-            <a:endParaRPr lang="en-US" dirty="0" smtClean="0"/>
-          </a:p>
-          <a:p>
-            <a:r>
-              <a:rPr lang="en-US" dirty="0"/>
-              <a:t>b</a:t>
-            </a:r>
-            <a:r>
-              <a:rPr lang="en-US" dirty="0" smtClean="0"/>
-              <a:t>ase – base directory for </a:t>
-            </a:r>
-            <a:r>
-              <a:rPr lang="en-US" dirty="0" err="1" smtClean="0"/>
-              <a:t>pairtree</a:t>
-            </a:r>
-            <a:r>
-              <a:rPr lang="en-US" dirty="0" smtClean="0"/>
-              <a:t> files</a:t>
             </a:r>
             <a:endParaRPr lang="en-US" dirty="0"/>
           </a:p>
@@ -5496,7 +5417,7 @@
     </p:spTree>
     <p:extLst>
       <p:ext uri="{BB962C8B-B14F-4D97-AF65-F5344CB8AC3E}">
-        <p14:creationId xmlns:p14="http://schemas.microsoft.com/office/powerpoint/2010/main" val="4078187166"/>
+        <p14:creationId xmlns:p14="http://schemas.microsoft.com/office/powerpoint/2010/main" val="1389389059"/>
       </p:ext>
     </p:extLst>
   </p:cSld>
@@ -5550,6 +5471,197 @@
             </a:r>
             <a:r>
               <a:rPr lang="en-US" dirty="0" err="1" smtClean="0"/>
+              <a:t>pairtree</a:t>
+            </a:r>
+            <a:r>
+              <a:rPr lang="en-US" dirty="0" smtClean="0"/>
+              <a:t/>
+            </a:r>
+            <a:br>
+              <a:rPr lang="en-US" dirty="0" smtClean="0"/>
+            </a:br>
+            <a:r>
+              <a:rPr lang="en-US" dirty="0" smtClean="0"/>
+              <a:t>Node Properties</a:t>
+            </a:r>
+            <a:r>
+              <a:rPr lang="en-US" dirty="0"/>
+              <a:t/>
+            </a:r>
+            <a:br>
+              <a:rPr lang="en-US" dirty="0"/>
+            </a:br>
+            <a:endParaRPr lang="en-US" dirty="0"/>
+          </a:p>
+        </p:txBody>
+      </p:sp>
+      <p:sp>
+        <p:nvSpPr>
+          <p:cNvPr id="3" name="Content Placeholder 2"/>
+          <p:cNvSpPr>
+            <a:spLocks noGrp="1"/>
+          </p:cNvSpPr>
+          <p:nvPr>
+            <p:ph idx="1"/>
+          </p:nvPr>
+        </p:nvSpPr>
+        <p:spPr/>
+        <p:txBody>
+          <a:bodyPr>
+            <a:normAutofit/>
+          </a:bodyPr>
+          <a:lstStyle/>
+          <a:p>
+            <a:pPr marL="0" indent="0">
+              <a:buNone/>
+            </a:pPr>
+            <a:r>
+              <a:rPr lang="en-US" dirty="0" smtClean="0"/>
+              <a:t>Example </a:t>
+            </a:r>
+            <a:r>
+              <a:rPr lang="en-US" dirty="0"/>
+              <a:t>./</a:t>
+            </a:r>
+            <a:r>
+              <a:rPr lang="en-US" dirty="0" err="1" smtClean="0"/>
+              <a:t>ucla-prod.properties</a:t>
+            </a:r>
+            <a:r>
+              <a:rPr lang="en-US" dirty="0" smtClean="0"/>
+              <a:t>:</a:t>
+            </a:r>
+            <a:endParaRPr lang="en-US" dirty="0"/>
+          </a:p>
+          <a:p>
+            <a:pPr marL="0" indent="0">
+              <a:buNone/>
+            </a:pPr>
+            <a:r>
+              <a:rPr lang="en-US" sz="2800" dirty="0" err="1"/>
+              <a:t>serviceType</a:t>
+            </a:r>
+            <a:r>
+              <a:rPr lang="en-US" sz="2800" dirty="0"/>
+              <a:t>=</a:t>
+            </a:r>
+            <a:r>
+              <a:rPr lang="en-US" sz="2800" dirty="0" err="1"/>
+              <a:t>pairtree</a:t>
+            </a:r>
+            <a:endParaRPr lang="en-US" sz="2800" dirty="0"/>
+          </a:p>
+          <a:p>
+            <a:pPr marL="0" indent="0">
+              <a:buNone/>
+            </a:pPr>
+            <a:r>
+              <a:rPr lang="en-US" sz="2800" dirty="0"/>
+              <a:t>base=/</a:t>
+            </a:r>
+            <a:r>
+              <a:rPr lang="en-US" sz="2800" dirty="0" err="1" smtClean="0"/>
+              <a:t>mrt</a:t>
+            </a:r>
+            <a:r>
+              <a:rPr lang="en-US" sz="2800" dirty="0" smtClean="0"/>
+              <a:t>-</a:t>
+            </a:r>
+            <a:r>
+              <a:rPr lang="en-US" sz="2800" dirty="0" err="1" smtClean="0"/>
+              <a:t>ucla</a:t>
+            </a:r>
+            <a:r>
+              <a:rPr lang="en-US" sz="2800" dirty="0" smtClean="0"/>
+              <a:t>-prod/dpr2/repository/node8001/store/</a:t>
+            </a:r>
+            <a:r>
+              <a:rPr lang="en-US" sz="2800" dirty="0" err="1" smtClean="0"/>
+              <a:t>fileCloud</a:t>
+            </a:r>
+            <a:endParaRPr lang="en-US" sz="2800" dirty="0" smtClean="0"/>
+          </a:p>
+          <a:p>
+            <a:endParaRPr lang="en-US" dirty="0" smtClean="0"/>
+          </a:p>
+          <a:p>
+            <a:r>
+              <a:rPr lang="en-US" dirty="0"/>
+              <a:t>b</a:t>
+            </a:r>
+            <a:r>
+              <a:rPr lang="en-US" dirty="0" smtClean="0"/>
+              <a:t>ase – base directory for </a:t>
+            </a:r>
+            <a:r>
+              <a:rPr lang="en-US" dirty="0" err="1" smtClean="0"/>
+              <a:t>pairtree</a:t>
+            </a:r>
+            <a:r>
+              <a:rPr lang="en-US" dirty="0" smtClean="0"/>
+              <a:t> files</a:t>
+            </a:r>
+            <a:endParaRPr lang="en-US" dirty="0"/>
+          </a:p>
+        </p:txBody>
+      </p:sp>
+    </p:spTree>
+    <p:extLst>
+      <p:ext uri="{BB962C8B-B14F-4D97-AF65-F5344CB8AC3E}">
+        <p14:creationId xmlns:p14="http://schemas.microsoft.com/office/powerpoint/2010/main" val="4078187166"/>
+      </p:ext>
+    </p:extLst>
+  </p:cSld>
+  <p:clrMapOvr>
+    <a:masterClrMapping/>
+  </p:clrMapOvr>
+</p:sld>
+</file>
+
+<file path=ppt/slides/slide22.xml><?xml version="1.0" encoding="utf-8"?>
+<p:sld xmlns:a="http://schemas.openxmlformats.org/drawingml/2006/main" xmlns:r="http://schemas.openxmlformats.org/officeDocument/2006/relationships" xmlns:p="http://schemas.openxmlformats.org/presentationml/2006/main">
+  <p:cSld>
+    <p:spTree>
+      <p:nvGrpSpPr>
+        <p:cNvPr id="1" name=""/>
+        <p:cNvGrpSpPr/>
+        <p:nvPr/>
+      </p:nvGrpSpPr>
+      <p:grpSpPr>
+        <a:xfrm>
+          <a:off x="0" y="0"/>
+          <a:ext cx="0" cy="0"/>
+          <a:chOff x="0" y="0"/>
+          <a:chExt cx="0" cy="0"/>
+        </a:xfrm>
+      </p:grpSpPr>
+      <p:sp>
+        <p:nvSpPr>
+          <p:cNvPr id="2" name="Title 1"/>
+          <p:cNvSpPr>
+            <a:spLocks noGrp="1"/>
+          </p:cNvSpPr>
+          <p:nvPr>
+            <p:ph type="title"/>
+          </p:nvPr>
+        </p:nvSpPr>
+        <p:spPr/>
+        <p:txBody>
+          <a:bodyPr>
+            <a:normAutofit fontScale="90000"/>
+          </a:bodyPr>
+          <a:lstStyle/>
+          <a:p>
+            <a:r>
+              <a:rPr lang="en-US" dirty="0" err="1" smtClean="0"/>
+              <a:t>serviceType</a:t>
+            </a:r>
+            <a:r>
+              <a:rPr lang="en-US" dirty="0" smtClean="0"/>
+              <a:t>=</a:t>
+            </a:r>
+            <a:r>
+              <a:rPr lang="en-US" dirty="0" err="1" smtClean="0"/>
               <a:t>cloudhost</a:t>
             </a:r>
             <a:r>
@@ -5696,7 +5808,7 @@
 </p:sld>
 </file>
 
-<file path=ppt/slides/slide22.xml><?xml version="1.0" encoding="utf-8"?>
+<file path=ppt/slides/slide23.xml><?xml version="1.0" encoding="utf-8"?>
 <p:sld xmlns:a="http://schemas.openxmlformats.org/drawingml/2006/main" xmlns:r="http://schemas.openxmlformats.org/officeDocument/2006/relationships" xmlns:p="http://schemas.openxmlformats.org/presentationml/2006/main">
   <p:cSld>
     <p:spTree>
@@ -7326,74 +7438,287 @@
           <a:lstStyle/>
           <a:p>
             <a:r>
+              <a:rPr lang="en-US" dirty="0" smtClean="0"/>
+              <a:t>Java call</a:t>
+            </a:r>
+            <a:endParaRPr lang="en-US" dirty="0"/>
+          </a:p>
+        </p:txBody>
+      </p:sp>
+      <p:sp>
+        <p:nvSpPr>
+          <p:cNvPr id="3" name="Content Placeholder 2"/>
+          <p:cNvSpPr>
+            <a:spLocks noGrp="1"/>
+          </p:cNvSpPr>
+          <p:nvPr>
+            <p:ph idx="1"/>
+          </p:nvPr>
+        </p:nvSpPr>
+        <p:spPr/>
+        <p:txBody>
+          <a:bodyPr>
+            <a:normAutofit fontScale="70000" lnSpcReduction="20000"/>
+          </a:bodyPr>
+          <a:lstStyle/>
+          <a:p>
+            <a:pPr marL="0" indent="0">
+              <a:buNone/>
+            </a:pPr>
+            <a:r>
               <a:rPr lang="en-US" dirty="0" err="1" smtClean="0"/>
               <a:t>NodeIO</a:t>
             </a:r>
             <a:r>
               <a:rPr lang="en-US" dirty="0" smtClean="0"/>
-              <a:t> properties</a:t>
-            </a:r>
-            <a:endParaRPr lang="en-US" dirty="0"/>
-          </a:p>
-        </p:txBody>
-      </p:sp>
-      <p:sp>
-        <p:nvSpPr>
-          <p:cNvPr id="3" name="Content Placeholder 2"/>
-          <p:cNvSpPr>
-            <a:spLocks noGrp="1"/>
-          </p:cNvSpPr>
-          <p:nvPr>
-            <p:ph idx="1"/>
-          </p:nvPr>
-        </p:nvSpPr>
-        <p:spPr/>
-        <p:txBody>
-          <a:bodyPr/>
-          <a:lstStyle/>
-          <a:p>
-            <a:pPr marL="0" indent="0">
-              <a:buNone/>
-            </a:pPr>
-            <a:r>
-              <a:rPr lang="en-US" dirty="0" smtClean="0"/>
-              <a:t>These are linked Java properties files describing cloud services</a:t>
-            </a:r>
-          </a:p>
-          <a:p>
-            <a:pPr marL="0" indent="0">
-              <a:buNone/>
-            </a:pPr>
-            <a:endParaRPr lang="en-US" dirty="0"/>
-          </a:p>
-          <a:p>
-            <a:pPr marL="0" indent="0">
-              <a:buNone/>
-            </a:pPr>
-            <a:r>
-              <a:rPr lang="en-US" dirty="0" smtClean="0"/>
-              <a:t>Types properties files</a:t>
-            </a:r>
-          </a:p>
-          <a:p>
-            <a:r>
-              <a:rPr lang="en-US" dirty="0" smtClean="0"/>
-              <a:t>Node list</a:t>
-            </a:r>
-          </a:p>
-          <a:p>
-            <a:r>
-              <a:rPr lang="en-US" dirty="0" smtClean="0"/>
-              <a:t>Cloud service properties</a:t>
-            </a:r>
-            <a:endParaRPr lang="en-US" dirty="0"/>
+              <a:t> </a:t>
+            </a:r>
+            <a:r>
+              <a:rPr lang="en-US" dirty="0" err="1"/>
+              <a:t>nodeIO</a:t>
+            </a:r>
+            <a:r>
+              <a:rPr lang="en-US"/>
+              <a:t> </a:t>
+            </a:r>
+            <a:r>
+              <a:rPr lang="en-US" smtClean="0"/>
+              <a:t>nodeIO</a:t>
+            </a:r>
+            <a:r>
+              <a:rPr lang="en-US" dirty="0" smtClean="0"/>
+              <a:t> </a:t>
+            </a:r>
+            <a:r>
+              <a:rPr lang="en-US" dirty="0"/>
+              <a:t>= </a:t>
+            </a:r>
+            <a:r>
+              <a:rPr lang="en-US" dirty="0" err="1"/>
+              <a:t>NodeIO.getNodeIO</a:t>
+            </a:r>
+            <a:r>
+              <a:rPr lang="en-US" dirty="0"/>
+              <a:t>(</a:t>
+            </a:r>
+            <a:r>
+              <a:rPr lang="en-US" dirty="0" err="1"/>
+              <a:t>nodeName</a:t>
+            </a:r>
+            <a:r>
+              <a:rPr lang="en-US" dirty="0"/>
+              <a:t>, logger);</a:t>
+            </a:r>
+          </a:p>
+          <a:p>
+            <a:pPr marL="0" indent="0">
+              <a:buNone/>
+            </a:pPr>
+            <a:r>
+              <a:rPr lang="en-US" dirty="0" err="1" smtClean="0"/>
+              <a:t>NodeIO.AccessNode</a:t>
+            </a:r>
+            <a:r>
+              <a:rPr lang="en-US" dirty="0" smtClean="0"/>
+              <a:t> </a:t>
+            </a:r>
+            <a:r>
+              <a:rPr lang="en-US" dirty="0" err="1"/>
+              <a:t>accessNode</a:t>
+            </a:r>
+            <a:r>
+              <a:rPr lang="en-US" dirty="0"/>
+              <a:t> = </a:t>
+            </a:r>
+            <a:r>
+              <a:rPr lang="en-US" dirty="0" err="1"/>
+              <a:t>nodeIO.getAccessNode</a:t>
+            </a:r>
+            <a:r>
+              <a:rPr lang="en-US" dirty="0"/>
+              <a:t>(</a:t>
+            </a:r>
+            <a:r>
+              <a:rPr lang="en-US" dirty="0" err="1"/>
+              <a:t>nodeNumber</a:t>
+            </a:r>
+            <a:r>
+              <a:rPr lang="en-US" dirty="0"/>
+              <a:t>);</a:t>
+            </a:r>
+          </a:p>
+          <a:p>
+            <a:pPr marL="0" indent="0">
+              <a:buNone/>
+            </a:pPr>
+            <a:r>
+              <a:rPr lang="en-US" dirty="0" smtClean="0"/>
+              <a:t>if </a:t>
+            </a:r>
+            <a:r>
+              <a:rPr lang="en-US" dirty="0"/>
+              <a:t>(</a:t>
+            </a:r>
+            <a:r>
+              <a:rPr lang="en-US" dirty="0" err="1"/>
+              <a:t>accessNode</a:t>
+            </a:r>
+            <a:r>
+              <a:rPr lang="en-US" dirty="0"/>
+              <a:t> == null) {</a:t>
+            </a:r>
+          </a:p>
+          <a:p>
+            <a:pPr marL="0" indent="0">
+              <a:buNone/>
+            </a:pPr>
+            <a:r>
+              <a:rPr lang="en-US" dirty="0"/>
+              <a:t>           </a:t>
+            </a:r>
+            <a:r>
+              <a:rPr lang="en-US" dirty="0" smtClean="0"/>
+              <a:t>throw </a:t>
+            </a:r>
+            <a:r>
+              <a:rPr lang="en-US" dirty="0"/>
+              <a:t>new </a:t>
+            </a:r>
+            <a:r>
+              <a:rPr lang="en-US" dirty="0" err="1"/>
+              <a:t>TException.REQUESTED_ITEM_NOT_FOUND</a:t>
+            </a:r>
+            <a:r>
+              <a:rPr lang="en-US" dirty="0"/>
+              <a:t>("test fails:"</a:t>
+            </a:r>
+          </a:p>
+          <a:p>
+            <a:pPr marL="0" indent="0">
+              <a:buNone/>
+            </a:pPr>
+            <a:r>
+              <a:rPr lang="en-US" dirty="0"/>
+              <a:t>                  + " - </a:t>
+            </a:r>
+            <a:r>
+              <a:rPr lang="en-US" dirty="0" err="1"/>
+              <a:t>nodeName</a:t>
+            </a:r>
+            <a:r>
+              <a:rPr lang="en-US" dirty="0"/>
+              <a:t>:" + </a:t>
+            </a:r>
+            <a:r>
+              <a:rPr lang="en-US" dirty="0" err="1"/>
+              <a:t>nodeName</a:t>
+            </a:r>
+            <a:endParaRPr lang="en-US" dirty="0"/>
+          </a:p>
+          <a:p>
+            <a:pPr marL="0" indent="0">
+              <a:buNone/>
+            </a:pPr>
+            <a:r>
+              <a:rPr lang="en-US" dirty="0"/>
+              <a:t>                  + " - </a:t>
+            </a:r>
+            <a:r>
+              <a:rPr lang="en-US" dirty="0" err="1"/>
+              <a:t>nodeNumber</a:t>
+            </a:r>
+            <a:r>
+              <a:rPr lang="en-US" dirty="0"/>
+              <a:t>:" + </a:t>
+            </a:r>
+            <a:r>
+              <a:rPr lang="en-US" dirty="0" err="1"/>
+              <a:t>nodeNumber</a:t>
+            </a:r>
+            <a:endParaRPr lang="en-US" dirty="0"/>
+          </a:p>
+          <a:p>
+            <a:pPr marL="0" indent="0">
+              <a:buNone/>
+            </a:pPr>
+            <a:r>
+              <a:rPr lang="en-US" dirty="0"/>
+              <a:t>               );</a:t>
+            </a:r>
+          </a:p>
+          <a:p>
+            <a:pPr marL="0" indent="0">
+              <a:buNone/>
+            </a:pPr>
+            <a:r>
+              <a:rPr lang="en-US" dirty="0" smtClean="0"/>
+              <a:t> </a:t>
+            </a:r>
+            <a:r>
+              <a:rPr lang="en-US" dirty="0"/>
+              <a:t>}</a:t>
+            </a:r>
+          </a:p>
+          <a:p>
+            <a:pPr marL="0" indent="0">
+              <a:buNone/>
+            </a:pPr>
+            <a:r>
+              <a:rPr lang="en-US" dirty="0"/>
+              <a:t> </a:t>
+            </a:r>
+            <a:r>
+              <a:rPr lang="en-US" dirty="0" err="1" smtClean="0"/>
+              <a:t>CloudStoreInf</a:t>
+            </a:r>
+            <a:r>
+              <a:rPr lang="en-US" dirty="0" smtClean="0"/>
+              <a:t> </a:t>
+            </a:r>
+            <a:r>
+              <a:rPr lang="en-US" dirty="0"/>
+              <a:t>service = </a:t>
+            </a:r>
+            <a:r>
+              <a:rPr lang="en-US" dirty="0" err="1"/>
+              <a:t>accessNode.service</a:t>
+            </a:r>
+            <a:r>
+              <a:rPr lang="en-US" dirty="0"/>
+              <a:t>;</a:t>
+            </a:r>
+          </a:p>
+          <a:p>
+            <a:pPr marL="0" indent="0">
+              <a:buNone/>
+            </a:pPr>
+            <a:r>
+              <a:rPr lang="en-US" dirty="0"/>
+              <a:t>  </a:t>
+            </a:r>
+            <a:r>
+              <a:rPr lang="en-US" dirty="0" smtClean="0"/>
+              <a:t>String </a:t>
+            </a:r>
+            <a:r>
+              <a:rPr lang="en-US" dirty="0"/>
+              <a:t>container = </a:t>
+            </a:r>
+            <a:r>
+              <a:rPr lang="en-US" dirty="0" err="1"/>
+              <a:t>accessNode.container</a:t>
+            </a:r>
+            <a:r>
+              <a:rPr lang="en-US" dirty="0"/>
+              <a:t>;</a:t>
+            </a:r>
           </a:p>
         </p:txBody>
       </p:sp>
     </p:spTree>
     <p:extLst>
       <p:ext uri="{BB962C8B-B14F-4D97-AF65-F5344CB8AC3E}">
-        <p14:creationId xmlns:p14="http://schemas.microsoft.com/office/powerpoint/2010/main" val="939167712"/>
+        <p14:creationId xmlns:p14="http://schemas.microsoft.com/office/powerpoint/2010/main" val="3057648791"/>
       </p:ext>
     </p:extLst>
   </p:cSld>
@@ -7436,8 +7761,12 @@
           <a:lstStyle/>
           <a:p>
             <a:r>
-              <a:rPr lang="en-US" dirty="0" smtClean="0"/>
-              <a:t>Node list properties</a:t>
+              <a:rPr lang="en-US" dirty="0" err="1" smtClean="0"/>
+              <a:t>NodeIO</a:t>
+            </a:r>
+            <a:r>
+              <a:rPr lang="en-US" dirty="0" smtClean="0"/>
+              <a:t> properties</a:t>
             </a:r>
             <a:endParaRPr lang="en-US" dirty="0"/>
           </a:p>
@@ -7458,61 +7787,40 @@
           <a:bodyPr/>
           <a:lstStyle/>
           <a:p>
-            <a:r>
-              <a:rPr lang="en-US" dirty="0"/>
-              <a:t>Contains one or more properties each referencing a specific Storage </a:t>
-            </a:r>
-            <a:r>
-              <a:rPr lang="en-US" dirty="0" smtClean="0"/>
-              <a:t>node</a:t>
-            </a:r>
-          </a:p>
-          <a:p>
-            <a:r>
-              <a:rPr lang="en-US" dirty="0" smtClean="0"/>
-              <a:t>Saved as:</a:t>
-            </a:r>
-          </a:p>
-          <a:p>
-            <a:pPr marL="0" indent="0">
-              <a:buNone/>
-            </a:pPr>
-            <a:r>
-              <a:rPr lang="en-US" dirty="0" smtClean="0"/>
-              <a:t>[node list name].properties</a:t>
-            </a:r>
-          </a:p>
-          <a:p>
-            <a:r>
-              <a:rPr lang="en-US" dirty="0" smtClean="0"/>
-              <a:t>Format:</a:t>
-            </a:r>
-          </a:p>
-          <a:p>
-            <a:pPr marL="0" indent="0">
-              <a:buNone/>
-            </a:pPr>
-            <a:r>
-              <a:rPr lang="en-US" dirty="0"/>
-              <a:t>n</a:t>
-            </a:r>
-            <a:r>
-              <a:rPr lang="en-US" dirty="0" smtClean="0"/>
-              <a:t>ode.[</a:t>
-            </a:r>
-            <a:r>
-              <a:rPr lang="en-US" dirty="0" err="1" smtClean="0"/>
-              <a:t>seq</a:t>
-            </a:r>
-            <a:r>
-              <a:rPr lang="en-US" dirty="0" smtClean="0"/>
-              <a:t>]=[node number]|[cloud properties name]|[container]</a:t>
-            </a:r>
-          </a:p>
-          <a:p>
-            <a:pPr marL="0" indent="0">
-              <a:buNone/>
-            </a:pPr>
+            <a:pPr marL="0" indent="0">
+              <a:buNone/>
+            </a:pPr>
+            <a:r>
+              <a:rPr lang="en-US" dirty="0" smtClean="0"/>
+              <a:t>These are linked Java properties files describing cloud services</a:t>
+            </a:r>
+          </a:p>
+          <a:p>
+            <a:pPr marL="0" indent="0">
+              <a:buNone/>
+            </a:pPr>
+            <a:endParaRPr lang="en-US" dirty="0"/>
+          </a:p>
+          <a:p>
+            <a:pPr marL="0" indent="0">
+              <a:buNone/>
+            </a:pPr>
+            <a:r>
+              <a:rPr lang="en-US" dirty="0" smtClean="0"/>
+              <a:t>Types properties files</a:t>
+            </a:r>
+          </a:p>
+          <a:p>
+            <a:r>
+              <a:rPr lang="en-US" dirty="0" smtClean="0"/>
+              <a:t>Node list</a:t>
+            </a:r>
+          </a:p>
+          <a:p>
+            <a:r>
+              <a:rPr lang="en-US" dirty="0" smtClean="0"/>
+              <a:t>Cloud service properties</a:t>
+            </a:r>
             <a:endParaRPr lang="en-US" dirty="0"/>
           </a:p>
         </p:txBody>
@@ -7520,7 +7828,7 @@
     </p:spTree>
     <p:extLst>
       <p:ext uri="{BB962C8B-B14F-4D97-AF65-F5344CB8AC3E}">
-        <p14:creationId xmlns:p14="http://schemas.microsoft.com/office/powerpoint/2010/main" val="756035614"/>
+        <p14:creationId xmlns:p14="http://schemas.microsoft.com/office/powerpoint/2010/main" val="939167712"/>
       </p:ext>
     </p:extLst>
   </p:cSld>
@@ -7564,7 +7872,7 @@
           <a:p>
             <a:r>
               <a:rPr lang="en-US" dirty="0" smtClean="0"/>
-              <a:t>Node list example</a:t>
+              <a:t>Node list properties</a:t>
             </a:r>
             <a:endParaRPr lang="en-US" dirty="0"/>
           </a:p>
@@ -7580,95 +7888,66 @@
             <p:ph idx="1"/>
           </p:nvPr>
         </p:nvSpPr>
-        <p:spPr>
-          <a:xfrm>
-            <a:off x="762000" y="1600200"/>
-            <a:ext cx="8229600" cy="4525963"/>
-          </a:xfrm>
-        </p:spPr>
-        <p:txBody>
-          <a:bodyPr>
-            <a:normAutofit/>
-          </a:bodyPr>
-          <a:lstStyle/>
-          <a:p>
-            <a:pPr marL="0" indent="0">
-              <a:buNone/>
-            </a:pPr>
-            <a:r>
-              <a:rPr lang="en-US" dirty="0" smtClean="0"/>
-              <a:t>Name: ./nodes-</a:t>
+        <p:spPr/>
+        <p:txBody>
+          <a:bodyPr/>
+          <a:lstStyle/>
+          <a:p>
+            <a:r>
+              <a:rPr lang="en-US" dirty="0"/>
+              <a:t>Contains one or more properties each referencing a specific Storage </a:t>
+            </a:r>
+            <a:r>
+              <a:rPr lang="en-US" dirty="0" smtClean="0"/>
+              <a:t>node</a:t>
+            </a:r>
+          </a:p>
+          <a:p>
+            <a:r>
+              <a:rPr lang="en-US" dirty="0" smtClean="0"/>
+              <a:t>Saved as:</a:t>
+            </a:r>
+          </a:p>
+          <a:p>
+            <a:pPr marL="0" indent="0">
+              <a:buNone/>
+            </a:pPr>
+            <a:r>
+              <a:rPr lang="en-US" dirty="0" smtClean="0"/>
+              <a:t>[node list name].properties</a:t>
+            </a:r>
+          </a:p>
+          <a:p>
+            <a:r>
+              <a:rPr lang="en-US" dirty="0" smtClean="0"/>
+              <a:t>Format:</a:t>
+            </a:r>
+          </a:p>
+          <a:p>
+            <a:pPr marL="0" indent="0">
+              <a:buNone/>
+            </a:pPr>
+            <a:r>
+              <a:rPr lang="en-US" dirty="0"/>
+              <a:t>n</a:t>
+            </a:r>
+            <a:r>
+              <a:rPr lang="en-US" dirty="0" smtClean="0"/>
+              <a:t>ode.[</a:t>
             </a:r>
             <a:r>
               <a:rPr lang="en-US" dirty="0" err="1" smtClean="0"/>
-              <a:t>prod.properties</a:t>
-            </a:r>
-            <a:endParaRPr lang="en-US" dirty="0" smtClean="0"/>
-          </a:p>
-          <a:p>
-            <a:pPr marL="0" indent="0">
-              <a:buNone/>
-            </a:pPr>
-            <a:r>
-              <a:rPr lang="en-US" dirty="0" smtClean="0"/>
-              <a:t>Content:</a:t>
-            </a:r>
-            <a:endParaRPr lang="en-US" dirty="0"/>
-          </a:p>
-          <a:p>
-            <a:pPr marL="0" indent="0">
-              <a:buNone/>
-            </a:pPr>
-            <a:r>
-              <a:rPr lang="en-US" dirty="0"/>
-              <a:t>node.1=9001|sdsc|distrib.prod.9001</a:t>
-            </a:r>
-            <a:r>
-              <a:rPr lang="en-US" dirty="0" smtClean="0"/>
-              <a:t>.__</a:t>
-            </a:r>
-            <a:endParaRPr lang="en-US" dirty="0"/>
-          </a:p>
-          <a:p>
-            <a:pPr marL="0" indent="0">
-              <a:buNone/>
-            </a:pPr>
-            <a:r>
-              <a:rPr lang="en-US" dirty="0" smtClean="0"/>
-              <a:t>node.2=8001|ucla-prod</a:t>
-            </a:r>
-            <a:endParaRPr lang="en-US" dirty="0"/>
-          </a:p>
-          <a:p>
-            <a:pPr marL="0" indent="0">
-              <a:buNone/>
-            </a:pPr>
-            <a:r>
-              <a:rPr lang="en-US" dirty="0" smtClean="0"/>
-              <a:t>node.3=5001|aws-std|uc3-s3mrt5001-prd</a:t>
-            </a:r>
-            <a:endParaRPr lang="en-US" dirty="0"/>
-          </a:p>
-          <a:p>
-            <a:pPr marL="0" indent="0">
-              <a:buNone/>
-            </a:pPr>
-            <a:r>
-              <a:rPr lang="en-US" dirty="0" smtClean="0"/>
-              <a:t>node.4=6001|aws-near|uc3-s3mrt6001-prd</a:t>
-            </a:r>
-          </a:p>
-          <a:p>
-            <a:pPr marL="0" indent="0">
-              <a:buNone/>
-            </a:pPr>
-            <a:r>
-              <a:rPr lang="en-US" dirty="0" smtClean="0"/>
-              <a:t>node.5=7021|ch-riverside-prd|8100</a:t>
-            </a:r>
-            <a:endParaRPr lang="en-US" dirty="0"/>
-          </a:p>
-          <a:p>
+              <a:t>seq</a:t>
+            </a:r>
+            <a:r>
+              <a:rPr lang="en-US" dirty="0" smtClean="0"/>
+              <a:t>]=[node number]|[cloud properties name]|[container]</a:t>
+            </a:r>
+          </a:p>
+          <a:p>
+            <a:pPr marL="0" indent="0">
+              <a:buNone/>
+            </a:pPr>
             <a:endParaRPr lang="en-US" dirty="0"/>
           </a:p>
         </p:txBody>
@@ -7676,7 +7955,7 @@
     </p:spTree>
     <p:extLst>
       <p:ext uri="{BB962C8B-B14F-4D97-AF65-F5344CB8AC3E}">
-        <p14:creationId xmlns:p14="http://schemas.microsoft.com/office/powerpoint/2010/main" val="2953350418"/>
+        <p14:creationId xmlns:p14="http://schemas.microsoft.com/office/powerpoint/2010/main" val="756035614"/>
       </p:ext>
     </p:extLst>
   </p:cSld>
@@ -7720,7 +7999,7 @@
           <a:p>
             <a:r>
               <a:rPr lang="en-US" dirty="0" smtClean="0"/>
-              <a:t>Node Service Properties</a:t>
+              <a:t>Node list example</a:t>
             </a:r>
             <a:endParaRPr lang="en-US" dirty="0"/>
           </a:p>
@@ -7736,50 +8015,95 @@
             <p:ph idx="1"/>
           </p:nvPr>
         </p:nvSpPr>
-        <p:spPr/>
-        <p:txBody>
-          <a:bodyPr/>
-          <a:lstStyle/>
-          <a:p>
-            <a:pPr marL="0" indent="0">
-              <a:buNone/>
-            </a:pPr>
-            <a:r>
-              <a:rPr lang="en-US" dirty="0" smtClean="0"/>
-              <a:t>Describes a particular cloud service providing:</a:t>
-            </a:r>
-          </a:p>
-          <a:p>
-            <a:r>
-              <a:rPr lang="en-US" dirty="0" err="1"/>
-              <a:t>s</a:t>
+        <p:spPr>
+          <a:xfrm>
+            <a:off x="762000" y="1600200"/>
+            <a:ext cx="8229600" cy="4525963"/>
+          </a:xfrm>
+        </p:spPr>
+        <p:txBody>
+          <a:bodyPr>
+            <a:normAutofit/>
+          </a:bodyPr>
+          <a:lstStyle/>
+          <a:p>
+            <a:pPr marL="0" indent="0">
+              <a:buNone/>
+            </a:pPr>
+            <a:r>
+              <a:rPr lang="en-US" dirty="0" smtClean="0"/>
+              <a:t>Name: ./nodes-</a:t>
             </a:r>
             <a:r>
               <a:rPr lang="en-US" dirty="0" err="1" smtClean="0"/>
-              <a:t>erviceType</a:t>
-            </a:r>
-            <a:r>
-              <a:rPr lang="en-US" dirty="0" smtClean="0"/>
-              <a:t> (required)</a:t>
-            </a:r>
-          </a:p>
-          <a:p>
-            <a:r>
-              <a:rPr lang="en-US" dirty="0" smtClean="0"/>
-              <a:t>Keys –e.g. public access</a:t>
-            </a:r>
-          </a:p>
-          <a:p>
-            <a:r>
-              <a:rPr lang="en-US" dirty="0" smtClean="0"/>
-              <a:t>Container type information</a:t>
-            </a:r>
-          </a:p>
-          <a:p>
-            <a:r>
-              <a:rPr lang="en-US" dirty="0" smtClean="0"/>
-              <a:t>Container host name </a:t>
-            </a:r>
+              <a:t>prod.properties</a:t>
+            </a:r>
+            <a:endParaRPr lang="en-US" dirty="0" smtClean="0"/>
+          </a:p>
+          <a:p>
+            <a:pPr marL="0" indent="0">
+              <a:buNone/>
+            </a:pPr>
+            <a:r>
+              <a:rPr lang="en-US" dirty="0" smtClean="0"/>
+              <a:t>Content:</a:t>
+            </a:r>
+            <a:endParaRPr lang="en-US" dirty="0"/>
+          </a:p>
+          <a:p>
+            <a:pPr marL="0" indent="0">
+              <a:buNone/>
+            </a:pPr>
+            <a:r>
+              <a:rPr lang="en-US" dirty="0"/>
+              <a:t>node.1=9001|sdsc|distrib.prod.9001</a:t>
+            </a:r>
+            <a:r>
+              <a:rPr lang="en-US" dirty="0" smtClean="0"/>
+              <a:t>.__</a:t>
+            </a:r>
+            <a:endParaRPr lang="en-US" dirty="0"/>
+          </a:p>
+          <a:p>
+            <a:pPr marL="0" indent="0">
+              <a:buNone/>
+            </a:pPr>
+            <a:r>
+              <a:rPr lang="en-US" dirty="0" smtClean="0"/>
+              <a:t>node.2=8001|ucla-prod</a:t>
+            </a:r>
+            <a:endParaRPr lang="en-US" dirty="0"/>
+          </a:p>
+          <a:p>
+            <a:pPr marL="0" indent="0">
+              <a:buNone/>
+            </a:pPr>
+            <a:r>
+              <a:rPr lang="en-US" dirty="0" smtClean="0"/>
+              <a:t>node.3=5001|aws-std|uc3-s3mrt5001-prd</a:t>
+            </a:r>
+            <a:endParaRPr lang="en-US" dirty="0"/>
+          </a:p>
+          <a:p>
+            <a:pPr marL="0" indent="0">
+              <a:buNone/>
+            </a:pPr>
+            <a:r>
+              <a:rPr lang="en-US" dirty="0" smtClean="0"/>
+              <a:t>node.4=6001|aws-near|uc3-s3mrt6001-prd</a:t>
+            </a:r>
+          </a:p>
+          <a:p>
+            <a:pPr marL="0" indent="0">
+              <a:buNone/>
+            </a:pPr>
+            <a:r>
+              <a:rPr lang="en-US" dirty="0" smtClean="0"/>
+              <a:t>node.5=7021|ch-riverside-prd|8100</a:t>
+            </a:r>
+            <a:endParaRPr lang="en-US" dirty="0"/>
+          </a:p>
+          <a:p>
             <a:endParaRPr lang="en-US" dirty="0"/>
           </a:p>
         </p:txBody>
@@ -7787,7 +8111,7 @@
     </p:spTree>
     <p:extLst>
       <p:ext uri="{BB962C8B-B14F-4D97-AF65-F5344CB8AC3E}">
-        <p14:creationId xmlns:p14="http://schemas.microsoft.com/office/powerpoint/2010/main" val="2110662467"/>
+        <p14:creationId xmlns:p14="http://schemas.microsoft.com/office/powerpoint/2010/main" val="2953350418"/>
       </p:ext>
     </p:extLst>
   </p:cSld>
